--- a/images/posts/survey_design/2.pptx
+++ b/images/posts/survey_design/2.pptx
@@ -6,6 +6,12 @@
   </p:sldMasterIdLst>
   <p:sldIdLst>
     <p:sldId id="256" r:id="rId2"/>
+    <p:sldId id="260" r:id="rId3"/>
+    <p:sldId id="261" r:id="rId4"/>
+    <p:sldId id="262" r:id="rId5"/>
+    <p:sldId id="257" r:id="rId6"/>
+    <p:sldId id="258" r:id="rId7"/>
+    <p:sldId id="259" r:id="rId8"/>
   </p:sldIdLst>
   <p:sldSz cx="10799763" cy="7199313"/>
   <p:notesSz cx="6858000" cy="9144000"/>
@@ -104,7 +110,570 @@
       </a:defRPr>
     </a:lvl9pPr>
   </p:defaultTextStyle>
+  <p:extLst>
+    <p:ext uri="{EFAFB233-063F-42B5-8137-9DF3F51BA10A}">
+      <p15:sldGuideLst xmlns:p15="http://schemas.microsoft.com/office/powerpoint/2012/main"/>
+    </p:ext>
+  </p:extLst>
 </p:presentation>
+</file>
+
+<file path=ppt/revisionInfo.xml><?xml version="1.0" encoding="utf-8"?>
+<p1510:revInfo xmlns:a="http://schemas.openxmlformats.org/drawingml/2006/main" xmlns:r="http://schemas.openxmlformats.org/officeDocument/2006/relationships" xmlns:p1510="http://schemas.microsoft.com/office/powerpoint/2015/10/main">
+  <p1510:revLst>
+    <p1510:client id="{F084BF42-7DC3-41AE-9EA0-D8DD7FD65F91}" v="9" dt="2021-09-18T01:52:04.680"/>
+  </p1510:revLst>
+</p1510:revInfo>
+</file>
+
+<file path=ppt/changesInfos/changesInfo1.xml><?xml version="1.0" encoding="utf-8"?>
+<pc:chgInfo xmlns:a="http://schemas.openxmlformats.org/drawingml/2006/main" xmlns:r="http://schemas.openxmlformats.org/officeDocument/2006/relationships" xmlns:ac="http://schemas.microsoft.com/office/drawing/2013/main/command" xmlns:pc="http://schemas.microsoft.com/office/powerpoint/2013/main/command">
+  <pc:docChgLst>
+    <pc:chgData name="Klajdi Puka" userId="14444a1dce99cdc7" providerId="LiveId" clId="{F084BF42-7DC3-41AE-9EA0-D8DD7FD65F91}"/>
+    <pc:docChg chg="undo redo custSel addSld delSld modSld sldOrd">
+      <pc:chgData name="Klajdi Puka" userId="14444a1dce99cdc7" providerId="LiveId" clId="{F084BF42-7DC3-41AE-9EA0-D8DD7FD65F91}" dt="2021-09-18T02:03:42.689" v="297" actId="20577"/>
+      <pc:docMkLst>
+        <pc:docMk/>
+      </pc:docMkLst>
+      <pc:sldChg chg="modSp mod">
+        <pc:chgData name="Klajdi Puka" userId="14444a1dce99cdc7" providerId="LiveId" clId="{F084BF42-7DC3-41AE-9EA0-D8DD7FD65F91}" dt="2021-09-18T01:43:29.335" v="24" actId="20577"/>
+        <pc:sldMkLst>
+          <pc:docMk/>
+          <pc:sldMk cId="2105127289" sldId="256"/>
+        </pc:sldMkLst>
+        <pc:spChg chg="mod">
+          <ac:chgData name="Klajdi Puka" userId="14444a1dce99cdc7" providerId="LiveId" clId="{F084BF42-7DC3-41AE-9EA0-D8DD7FD65F91}" dt="2021-09-18T01:43:29.335" v="24" actId="20577"/>
+          <ac:spMkLst>
+            <pc:docMk/>
+            <pc:sldMk cId="2105127289" sldId="256"/>
+            <ac:spMk id="54" creationId="{D1675A24-E920-4DE5-ABD5-510F9652F8A2}"/>
+          </ac:spMkLst>
+        </pc:spChg>
+      </pc:sldChg>
+      <pc:sldChg chg="delSp new mod">
+        <pc:chgData name="Klajdi Puka" userId="14444a1dce99cdc7" providerId="LiveId" clId="{F084BF42-7DC3-41AE-9EA0-D8DD7FD65F91}" dt="2021-09-18T01:42:08.239" v="2" actId="478"/>
+        <pc:sldMkLst>
+          <pc:docMk/>
+          <pc:sldMk cId="1055706361" sldId="257"/>
+        </pc:sldMkLst>
+        <pc:spChg chg="del">
+          <ac:chgData name="Klajdi Puka" userId="14444a1dce99cdc7" providerId="LiveId" clId="{F084BF42-7DC3-41AE-9EA0-D8DD7FD65F91}" dt="2021-09-18T01:42:07.409" v="1" actId="478"/>
+          <ac:spMkLst>
+            <pc:docMk/>
+            <pc:sldMk cId="1055706361" sldId="257"/>
+            <ac:spMk id="2" creationId="{B1113CCD-EF0E-41FE-A6EF-13FA8FD370CA}"/>
+          </ac:spMkLst>
+        </pc:spChg>
+        <pc:spChg chg="del">
+          <ac:chgData name="Klajdi Puka" userId="14444a1dce99cdc7" providerId="LiveId" clId="{F084BF42-7DC3-41AE-9EA0-D8DD7FD65F91}" dt="2021-09-18T01:42:08.239" v="2" actId="478"/>
+          <ac:spMkLst>
+            <pc:docMk/>
+            <pc:sldMk cId="1055706361" sldId="257"/>
+            <ac:spMk id="3" creationId="{3F1E5EEE-5DB7-4892-9C51-3C65FE474F44}"/>
+          </ac:spMkLst>
+        </pc:spChg>
+      </pc:sldChg>
+      <pc:sldChg chg="add">
+        <pc:chgData name="Klajdi Puka" userId="14444a1dce99cdc7" providerId="LiveId" clId="{F084BF42-7DC3-41AE-9EA0-D8DD7FD65F91}" dt="2021-09-18T01:42:09.625" v="3" actId="2890"/>
+        <pc:sldMkLst>
+          <pc:docMk/>
+          <pc:sldMk cId="1961753584" sldId="258"/>
+        </pc:sldMkLst>
+      </pc:sldChg>
+      <pc:sldChg chg="add">
+        <pc:chgData name="Klajdi Puka" userId="14444a1dce99cdc7" providerId="LiveId" clId="{F084BF42-7DC3-41AE-9EA0-D8DD7FD65F91}" dt="2021-09-18T01:42:11.389" v="4" actId="2890"/>
+        <pc:sldMkLst>
+          <pc:docMk/>
+          <pc:sldMk cId="2168595456" sldId="259"/>
+        </pc:sldMkLst>
+      </pc:sldChg>
+      <pc:sldChg chg="addSp delSp modSp add mod delAnim">
+        <pc:chgData name="Klajdi Puka" userId="14444a1dce99cdc7" providerId="LiveId" clId="{F084BF42-7DC3-41AE-9EA0-D8DD7FD65F91}" dt="2021-09-18T01:50:51.238" v="195" actId="1037"/>
+        <pc:sldMkLst>
+          <pc:docMk/>
+          <pc:sldMk cId="4243999614" sldId="260"/>
+        </pc:sldMkLst>
+        <pc:spChg chg="add del">
+          <ac:chgData name="Klajdi Puka" userId="14444a1dce99cdc7" providerId="LiveId" clId="{F084BF42-7DC3-41AE-9EA0-D8DD7FD65F91}" dt="2021-09-18T01:44:02.429" v="35" actId="22"/>
+          <ac:spMkLst>
+            <pc:docMk/>
+            <pc:sldMk cId="4243999614" sldId="260"/>
+            <ac:spMk id="19" creationId="{94360F61-97AD-475A-B55B-BF6EDFE3977C}"/>
+          </ac:spMkLst>
+        </pc:spChg>
+        <pc:spChg chg="add mod">
+          <ac:chgData name="Klajdi Puka" userId="14444a1dce99cdc7" providerId="LiveId" clId="{F084BF42-7DC3-41AE-9EA0-D8DD7FD65F91}" dt="2021-09-18T01:45:59.111" v="101" actId="20577"/>
+          <ac:spMkLst>
+            <pc:docMk/>
+            <pc:sldMk cId="4243999614" sldId="260"/>
+            <ac:spMk id="20" creationId="{B3EFB230-5AD4-49E9-8D66-492F047F1AF1}"/>
+          </ac:spMkLst>
+        </pc:spChg>
+        <pc:spChg chg="add mod">
+          <ac:chgData name="Klajdi Puka" userId="14444a1dce99cdc7" providerId="LiveId" clId="{F084BF42-7DC3-41AE-9EA0-D8DD7FD65F91}" dt="2021-09-18T01:44:43.639" v="42" actId="1076"/>
+          <ac:spMkLst>
+            <pc:docMk/>
+            <pc:sldMk cId="4243999614" sldId="260"/>
+            <ac:spMk id="21" creationId="{7C037924-D6F3-45A3-B840-B823C52F24AD}"/>
+          </ac:spMkLst>
+        </pc:spChg>
+        <pc:spChg chg="add mod">
+          <ac:chgData name="Klajdi Puka" userId="14444a1dce99cdc7" providerId="LiveId" clId="{F084BF42-7DC3-41AE-9EA0-D8DD7FD65F91}" dt="2021-09-18T01:44:50.490" v="48" actId="1038"/>
+          <ac:spMkLst>
+            <pc:docMk/>
+            <pc:sldMk cId="4243999614" sldId="260"/>
+            <ac:spMk id="22" creationId="{B1ECB44B-9C50-4D4D-AA2C-B47FB0B1CFF6}"/>
+          </ac:spMkLst>
+        </pc:spChg>
+        <pc:spChg chg="add mod">
+          <ac:chgData name="Klajdi Puka" userId="14444a1dce99cdc7" providerId="LiveId" clId="{F084BF42-7DC3-41AE-9EA0-D8DD7FD65F91}" dt="2021-09-18T01:44:57.277" v="71" actId="1036"/>
+          <ac:spMkLst>
+            <pc:docMk/>
+            <pc:sldMk cId="4243999614" sldId="260"/>
+            <ac:spMk id="23" creationId="{57C3CC0A-E27E-4B60-9067-7A65361A6B2A}"/>
+          </ac:spMkLst>
+        </pc:spChg>
+        <pc:spChg chg="add mod">
+          <ac:chgData name="Klajdi Puka" userId="14444a1dce99cdc7" providerId="LiveId" clId="{F084BF42-7DC3-41AE-9EA0-D8DD7FD65F91}" dt="2021-09-18T01:45:03.758" v="88" actId="1035"/>
+          <ac:spMkLst>
+            <pc:docMk/>
+            <pc:sldMk cId="4243999614" sldId="260"/>
+            <ac:spMk id="24" creationId="{E7126B70-2501-4D35-A150-F23FAC2BEF26}"/>
+          </ac:spMkLst>
+        </pc:spChg>
+        <pc:spChg chg="add mod">
+          <ac:chgData name="Klajdi Puka" userId="14444a1dce99cdc7" providerId="LiveId" clId="{F084BF42-7DC3-41AE-9EA0-D8DD7FD65F91}" dt="2021-09-18T01:45:09.011" v="89" actId="1076"/>
+          <ac:spMkLst>
+            <pc:docMk/>
+            <pc:sldMk cId="4243999614" sldId="260"/>
+            <ac:spMk id="25" creationId="{394BB063-105A-4460-AC44-0F1013B04D1C}"/>
+          </ac:spMkLst>
+        </pc:spChg>
+        <pc:spChg chg="add mod">
+          <ac:chgData name="Klajdi Puka" userId="14444a1dce99cdc7" providerId="LiveId" clId="{F084BF42-7DC3-41AE-9EA0-D8DD7FD65F91}" dt="2021-09-18T01:45:13.834" v="90" actId="1076"/>
+          <ac:spMkLst>
+            <pc:docMk/>
+            <pc:sldMk cId="4243999614" sldId="260"/>
+            <ac:spMk id="26" creationId="{3657DB31-DA84-42F1-A96D-D775DEA55720}"/>
+          </ac:spMkLst>
+        </pc:spChg>
+        <pc:spChg chg="add mod">
+          <ac:chgData name="Klajdi Puka" userId="14444a1dce99cdc7" providerId="LiveId" clId="{F084BF42-7DC3-41AE-9EA0-D8DD7FD65F91}" dt="2021-09-18T01:46:11.827" v="115" actId="1035"/>
+          <ac:spMkLst>
+            <pc:docMk/>
+            <pc:sldMk cId="4243999614" sldId="260"/>
+            <ac:spMk id="27" creationId="{F1BA5A2F-AB49-40AE-BCFE-D6954AA9F360}"/>
+          </ac:spMkLst>
+        </pc:spChg>
+        <pc:spChg chg="add mod">
+          <ac:chgData name="Klajdi Puka" userId="14444a1dce99cdc7" providerId="LiveId" clId="{F084BF42-7DC3-41AE-9EA0-D8DD7FD65F91}" dt="2021-09-18T01:46:13.983" v="122" actId="1035"/>
+          <ac:spMkLst>
+            <pc:docMk/>
+            <pc:sldMk cId="4243999614" sldId="260"/>
+            <ac:spMk id="28" creationId="{E937D72C-D0BA-4D1A-A510-DFE8CA7347EF}"/>
+          </ac:spMkLst>
+        </pc:spChg>
+        <pc:spChg chg="add mod">
+          <ac:chgData name="Klajdi Puka" userId="14444a1dce99cdc7" providerId="LiveId" clId="{F084BF42-7DC3-41AE-9EA0-D8DD7FD65F91}" dt="2021-09-18T01:49:23.158" v="167" actId="1076"/>
+          <ac:spMkLst>
+            <pc:docMk/>
+            <pc:sldMk cId="4243999614" sldId="260"/>
+            <ac:spMk id="29" creationId="{9C7F0E68-BCF7-44D6-B769-3813A94A8799}"/>
+          </ac:spMkLst>
+        </pc:spChg>
+        <pc:spChg chg="add mod">
+          <ac:chgData name="Klajdi Puka" userId="14444a1dce99cdc7" providerId="LiveId" clId="{F084BF42-7DC3-41AE-9EA0-D8DD7FD65F91}" dt="2021-09-18T01:49:21.454" v="166" actId="1076"/>
+          <ac:spMkLst>
+            <pc:docMk/>
+            <pc:sldMk cId="4243999614" sldId="260"/>
+            <ac:spMk id="30" creationId="{C9D3EB86-5A4C-4C1E-BDED-30F56A2174F6}"/>
+          </ac:spMkLst>
+        </pc:spChg>
+        <pc:spChg chg="add mod">
+          <ac:chgData name="Klajdi Puka" userId="14444a1dce99cdc7" providerId="LiveId" clId="{F084BF42-7DC3-41AE-9EA0-D8DD7FD65F91}" dt="2021-09-18T01:49:24.915" v="168" actId="1076"/>
+          <ac:spMkLst>
+            <pc:docMk/>
+            <pc:sldMk cId="4243999614" sldId="260"/>
+            <ac:spMk id="31" creationId="{4C9E517F-D09F-4FB2-821B-D76F15B7D6E2}"/>
+          </ac:spMkLst>
+        </pc:spChg>
+        <pc:spChg chg="add mod">
+          <ac:chgData name="Klajdi Puka" userId="14444a1dce99cdc7" providerId="LiveId" clId="{F084BF42-7DC3-41AE-9EA0-D8DD7FD65F91}" dt="2021-09-18T01:50:51.238" v="195" actId="1037"/>
+          <ac:spMkLst>
+            <pc:docMk/>
+            <pc:sldMk cId="4243999614" sldId="260"/>
+            <ac:spMk id="32" creationId="{6548180A-7821-4AFF-9ECB-F488F466B2E3}"/>
+          </ac:spMkLst>
+        </pc:spChg>
+        <pc:spChg chg="mod">
+          <ac:chgData name="Klajdi Puka" userId="14444a1dce99cdc7" providerId="LiveId" clId="{F084BF42-7DC3-41AE-9EA0-D8DD7FD65F91}" dt="2021-09-18T01:49:16.656" v="165" actId="14100"/>
+          <ac:spMkLst>
+            <pc:docMk/>
+            <pc:sldMk cId="4243999614" sldId="260"/>
+            <ac:spMk id="52" creationId="{0C128503-B6AD-422C-8DF8-9E142B85FBE2}"/>
+          </ac:spMkLst>
+        </pc:spChg>
+        <pc:spChg chg="mod">
+          <ac:chgData name="Klajdi Puka" userId="14444a1dce99cdc7" providerId="LiveId" clId="{F084BF42-7DC3-41AE-9EA0-D8DD7FD65F91}" dt="2021-09-18T01:49:16.656" v="165" actId="14100"/>
+          <ac:spMkLst>
+            <pc:docMk/>
+            <pc:sldMk cId="4243999614" sldId="260"/>
+            <ac:spMk id="53" creationId="{88090FB5-DB0F-43F3-9AF3-290CD4893DA0}"/>
+          </ac:spMkLst>
+        </pc:spChg>
+        <pc:spChg chg="mod">
+          <ac:chgData name="Klajdi Puka" userId="14444a1dce99cdc7" providerId="LiveId" clId="{F084BF42-7DC3-41AE-9EA0-D8DD7FD65F91}" dt="2021-09-18T01:43:25.678" v="22" actId="20577"/>
+          <ac:spMkLst>
+            <pc:docMk/>
+            <pc:sldMk cId="4243999614" sldId="260"/>
+            <ac:spMk id="54" creationId="{D1675A24-E920-4DE5-ABD5-510F9652F8A2}"/>
+          </ac:spMkLst>
+        </pc:spChg>
+        <pc:spChg chg="mod">
+          <ac:chgData name="Klajdi Puka" userId="14444a1dce99cdc7" providerId="LiveId" clId="{F084BF42-7DC3-41AE-9EA0-D8DD7FD65F91}" dt="2021-09-18T01:43:22.824" v="20" actId="1076"/>
+          <ac:spMkLst>
+            <pc:docMk/>
+            <pc:sldMk cId="4243999614" sldId="260"/>
+            <ac:spMk id="55" creationId="{967D7174-2C6E-4572-BD42-76EC0FCC2AD7}"/>
+          </ac:spMkLst>
+        </pc:spChg>
+        <pc:spChg chg="mod">
+          <ac:chgData name="Klajdi Puka" userId="14444a1dce99cdc7" providerId="LiveId" clId="{F084BF42-7DC3-41AE-9EA0-D8DD7FD65F91}" dt="2021-09-18T01:43:46.433" v="29" actId="1076"/>
+          <ac:spMkLst>
+            <pc:docMk/>
+            <pc:sldMk cId="4243999614" sldId="260"/>
+            <ac:spMk id="56" creationId="{BEFB0ABF-8367-4064-88C5-3A5C4224D3CA}"/>
+          </ac:spMkLst>
+        </pc:spChg>
+        <pc:spChg chg="mod">
+          <ac:chgData name="Klajdi Puka" userId="14444a1dce99cdc7" providerId="LiveId" clId="{F084BF42-7DC3-41AE-9EA0-D8DD7FD65F91}" dt="2021-09-18T01:50:45.722" v="192" actId="1076"/>
+          <ac:spMkLst>
+            <pc:docMk/>
+            <pc:sldMk cId="4243999614" sldId="260"/>
+            <ac:spMk id="63" creationId="{23515F2E-3044-4CF0-9DB2-D7CF94964075}"/>
+          </ac:spMkLst>
+        </pc:spChg>
+        <pc:spChg chg="del">
+          <ac:chgData name="Klajdi Puka" userId="14444a1dce99cdc7" providerId="LiveId" clId="{F084BF42-7DC3-41AE-9EA0-D8DD7FD65F91}" dt="2021-09-18T01:42:49.992" v="8" actId="478"/>
+          <ac:spMkLst>
+            <pc:docMk/>
+            <pc:sldMk cId="4243999614" sldId="260"/>
+            <ac:spMk id="64" creationId="{A4DC89E0-8A96-4C75-91CC-703C630AA789}"/>
+          </ac:spMkLst>
+        </pc:spChg>
+        <pc:spChg chg="del">
+          <ac:chgData name="Klajdi Puka" userId="14444a1dce99cdc7" providerId="LiveId" clId="{F084BF42-7DC3-41AE-9EA0-D8DD7FD65F91}" dt="2021-09-18T01:42:47.484" v="6" actId="478"/>
+          <ac:spMkLst>
+            <pc:docMk/>
+            <pc:sldMk cId="4243999614" sldId="260"/>
+            <ac:spMk id="65" creationId="{1C97BD2F-1ED2-4550-A214-9E602C8ED271}"/>
+          </ac:spMkLst>
+        </pc:spChg>
+        <pc:spChg chg="del">
+          <ac:chgData name="Klajdi Puka" userId="14444a1dce99cdc7" providerId="LiveId" clId="{F084BF42-7DC3-41AE-9EA0-D8DD7FD65F91}" dt="2021-09-18T01:42:50.878" v="9" actId="478"/>
+          <ac:spMkLst>
+            <pc:docMk/>
+            <pc:sldMk cId="4243999614" sldId="260"/>
+            <ac:spMk id="66" creationId="{C38D8229-D620-4D80-8514-6FF75DBBF9FF}"/>
+          </ac:spMkLst>
+        </pc:spChg>
+        <pc:spChg chg="del">
+          <ac:chgData name="Klajdi Puka" userId="14444a1dce99cdc7" providerId="LiveId" clId="{F084BF42-7DC3-41AE-9EA0-D8DD7FD65F91}" dt="2021-09-18T01:42:48.939" v="7" actId="478"/>
+          <ac:spMkLst>
+            <pc:docMk/>
+            <pc:sldMk cId="4243999614" sldId="260"/>
+            <ac:spMk id="67" creationId="{E79BB05D-963E-476A-86B6-D148F6AB3AC5}"/>
+          </ac:spMkLst>
+        </pc:spChg>
+        <pc:grpChg chg="del mod">
+          <ac:chgData name="Klajdi Puka" userId="14444a1dce99cdc7" providerId="LiveId" clId="{F084BF42-7DC3-41AE-9EA0-D8DD7FD65F91}" dt="2021-09-18T01:43:49.546" v="31" actId="478"/>
+          <ac:grpSpMkLst>
+            <pc:docMk/>
+            <pc:sldMk cId="4243999614" sldId="260"/>
+            <ac:grpSpMk id="57" creationId="{D4D07D30-D696-40A1-999D-B2E820460C4B}"/>
+          </ac:grpSpMkLst>
+        </pc:grpChg>
+      </pc:sldChg>
+      <pc:sldChg chg="addSp delSp modSp add mod modAnim">
+        <pc:chgData name="Klajdi Puka" userId="14444a1dce99cdc7" providerId="LiveId" clId="{F084BF42-7DC3-41AE-9EA0-D8DD7FD65F91}" dt="2021-09-18T01:52:56.554" v="261" actId="1076"/>
+        <pc:sldMkLst>
+          <pc:docMk/>
+          <pc:sldMk cId="1911899649" sldId="261"/>
+        </pc:sldMkLst>
+        <pc:spChg chg="mod">
+          <ac:chgData name="Klajdi Puka" userId="14444a1dce99cdc7" providerId="LiveId" clId="{F084BF42-7DC3-41AE-9EA0-D8DD7FD65F91}" dt="2021-09-18T01:52:17.586" v="252" actId="20577"/>
+          <ac:spMkLst>
+            <pc:docMk/>
+            <pc:sldMk cId="1911899649" sldId="261"/>
+            <ac:spMk id="20" creationId="{B3EFB230-5AD4-49E9-8D66-492F047F1AF1}"/>
+          </ac:spMkLst>
+        </pc:spChg>
+        <pc:spChg chg="del">
+          <ac:chgData name="Klajdi Puka" userId="14444a1dce99cdc7" providerId="LiveId" clId="{F084BF42-7DC3-41AE-9EA0-D8DD7FD65F91}" dt="2021-09-18T01:51:32.306" v="204" actId="478"/>
+          <ac:spMkLst>
+            <pc:docMk/>
+            <pc:sldMk cId="1911899649" sldId="261"/>
+            <ac:spMk id="21" creationId="{7C037924-D6F3-45A3-B840-B823C52F24AD}"/>
+          </ac:spMkLst>
+        </pc:spChg>
+        <pc:spChg chg="del">
+          <ac:chgData name="Klajdi Puka" userId="14444a1dce99cdc7" providerId="LiveId" clId="{F084BF42-7DC3-41AE-9EA0-D8DD7FD65F91}" dt="2021-09-18T01:51:31.832" v="203" actId="478"/>
+          <ac:spMkLst>
+            <pc:docMk/>
+            <pc:sldMk cId="1911899649" sldId="261"/>
+            <ac:spMk id="22" creationId="{B1ECB44B-9C50-4D4D-AA2C-B47FB0B1CFF6}"/>
+          </ac:spMkLst>
+        </pc:spChg>
+        <pc:spChg chg="del">
+          <ac:chgData name="Klajdi Puka" userId="14444a1dce99cdc7" providerId="LiveId" clId="{F084BF42-7DC3-41AE-9EA0-D8DD7FD65F91}" dt="2021-09-18T01:51:31.375" v="202" actId="478"/>
+          <ac:spMkLst>
+            <pc:docMk/>
+            <pc:sldMk cId="1911899649" sldId="261"/>
+            <ac:spMk id="23" creationId="{57C3CC0A-E27E-4B60-9067-7A65361A6B2A}"/>
+          </ac:spMkLst>
+        </pc:spChg>
+        <pc:spChg chg="del">
+          <ac:chgData name="Klajdi Puka" userId="14444a1dce99cdc7" providerId="LiveId" clId="{F084BF42-7DC3-41AE-9EA0-D8DD7FD65F91}" dt="2021-09-18T01:51:30.820" v="201" actId="478"/>
+          <ac:spMkLst>
+            <pc:docMk/>
+            <pc:sldMk cId="1911899649" sldId="261"/>
+            <ac:spMk id="24" creationId="{E7126B70-2501-4D35-A150-F23FAC2BEF26}"/>
+          </ac:spMkLst>
+        </pc:spChg>
+        <pc:spChg chg="del">
+          <ac:chgData name="Klajdi Puka" userId="14444a1dce99cdc7" providerId="LiveId" clId="{F084BF42-7DC3-41AE-9EA0-D8DD7FD65F91}" dt="2021-09-18T01:51:30.129" v="200" actId="478"/>
+          <ac:spMkLst>
+            <pc:docMk/>
+            <pc:sldMk cId="1911899649" sldId="261"/>
+            <ac:spMk id="25" creationId="{394BB063-105A-4460-AC44-0F1013B04D1C}"/>
+          </ac:spMkLst>
+        </pc:spChg>
+        <pc:spChg chg="del mod">
+          <ac:chgData name="Klajdi Puka" userId="14444a1dce99cdc7" providerId="LiveId" clId="{F084BF42-7DC3-41AE-9EA0-D8DD7FD65F91}" dt="2021-09-18T01:51:29.416" v="199" actId="478"/>
+          <ac:spMkLst>
+            <pc:docMk/>
+            <pc:sldMk cId="1911899649" sldId="261"/>
+            <ac:spMk id="26" creationId="{3657DB31-DA84-42F1-A96D-D775DEA55720}"/>
+          </ac:spMkLst>
+        </pc:spChg>
+        <pc:spChg chg="del mod">
+          <ac:chgData name="Klajdi Puka" userId="14444a1dce99cdc7" providerId="LiveId" clId="{F084BF42-7DC3-41AE-9EA0-D8DD7FD65F91}" dt="2021-09-18T01:51:40.536" v="210" actId="478"/>
+          <ac:spMkLst>
+            <pc:docMk/>
+            <pc:sldMk cId="1911899649" sldId="261"/>
+            <ac:spMk id="27" creationId="{F1BA5A2F-AB49-40AE-BCFE-D6954AA9F360}"/>
+          </ac:spMkLst>
+        </pc:spChg>
+        <pc:spChg chg="del">
+          <ac:chgData name="Klajdi Puka" userId="14444a1dce99cdc7" providerId="LiveId" clId="{F084BF42-7DC3-41AE-9EA0-D8DD7FD65F91}" dt="2021-09-18T01:51:34.716" v="205" actId="478"/>
+          <ac:spMkLst>
+            <pc:docMk/>
+            <pc:sldMk cId="1911899649" sldId="261"/>
+            <ac:spMk id="28" creationId="{E937D72C-D0BA-4D1A-A510-DFE8CA7347EF}"/>
+          </ac:spMkLst>
+        </pc:spChg>
+        <pc:spChg chg="del">
+          <ac:chgData name="Klajdi Puka" userId="14444a1dce99cdc7" providerId="LiveId" clId="{F084BF42-7DC3-41AE-9EA0-D8DD7FD65F91}" dt="2021-09-18T01:51:38.574" v="208" actId="478"/>
+          <ac:spMkLst>
+            <pc:docMk/>
+            <pc:sldMk cId="1911899649" sldId="261"/>
+            <ac:spMk id="29" creationId="{9C7F0E68-BCF7-44D6-B769-3813A94A8799}"/>
+          </ac:spMkLst>
+        </pc:spChg>
+        <pc:spChg chg="del">
+          <ac:chgData name="Klajdi Puka" userId="14444a1dce99cdc7" providerId="LiveId" clId="{F084BF42-7DC3-41AE-9EA0-D8DD7FD65F91}" dt="2021-09-18T01:51:37.613" v="207" actId="478"/>
+          <ac:spMkLst>
+            <pc:docMk/>
+            <pc:sldMk cId="1911899649" sldId="261"/>
+            <ac:spMk id="30" creationId="{C9D3EB86-5A4C-4C1E-BDED-30F56A2174F6}"/>
+          </ac:spMkLst>
+        </pc:spChg>
+        <pc:spChg chg="del">
+          <ac:chgData name="Klajdi Puka" userId="14444a1dce99cdc7" providerId="LiveId" clId="{F084BF42-7DC3-41AE-9EA0-D8DD7FD65F91}" dt="2021-09-18T01:51:36.946" v="206" actId="478"/>
+          <ac:spMkLst>
+            <pc:docMk/>
+            <pc:sldMk cId="1911899649" sldId="261"/>
+            <ac:spMk id="31" creationId="{4C9E517F-D09F-4FB2-821B-D76F15B7D6E2}"/>
+          </ac:spMkLst>
+        </pc:spChg>
+        <pc:spChg chg="mod">
+          <ac:chgData name="Klajdi Puka" userId="14444a1dce99cdc7" providerId="LiveId" clId="{F084BF42-7DC3-41AE-9EA0-D8DD7FD65F91}" dt="2021-09-18T01:52:56.554" v="261" actId="1076"/>
+          <ac:spMkLst>
+            <pc:docMk/>
+            <pc:sldMk cId="1911899649" sldId="261"/>
+            <ac:spMk id="32" creationId="{6548180A-7821-4AFF-9ECB-F488F466B2E3}"/>
+          </ac:spMkLst>
+        </pc:spChg>
+        <pc:spChg chg="add del mod">
+          <ac:chgData name="Klajdi Puka" userId="14444a1dce99cdc7" providerId="LiveId" clId="{F084BF42-7DC3-41AE-9EA0-D8DD7FD65F91}" dt="2021-09-18T01:51:57.265" v="214"/>
+          <ac:spMkLst>
+            <pc:docMk/>
+            <pc:sldMk cId="1911899649" sldId="261"/>
+            <ac:spMk id="33" creationId="{CB27B26F-09FE-457D-8DD4-23752401CC14}"/>
+          </ac:spMkLst>
+        </pc:spChg>
+        <pc:spChg chg="mod">
+          <ac:chgData name="Klajdi Puka" userId="14444a1dce99cdc7" providerId="LiveId" clId="{F084BF42-7DC3-41AE-9EA0-D8DD7FD65F91}" dt="2021-09-18T01:51:56.443" v="213"/>
+          <ac:spMkLst>
+            <pc:docMk/>
+            <pc:sldMk cId="1911899649" sldId="261"/>
+            <ac:spMk id="35" creationId="{F866218A-9254-42D7-8F42-05A0D150B055}"/>
+          </ac:spMkLst>
+        </pc:spChg>
+        <pc:spChg chg="mod">
+          <ac:chgData name="Klajdi Puka" userId="14444a1dce99cdc7" providerId="LiveId" clId="{F084BF42-7DC3-41AE-9EA0-D8DD7FD65F91}" dt="2021-09-18T01:51:56.443" v="213"/>
+          <ac:spMkLst>
+            <pc:docMk/>
+            <pc:sldMk cId="1911899649" sldId="261"/>
+            <ac:spMk id="36" creationId="{8570A992-9B4F-4FBC-982B-49250A57AFA1}"/>
+          </ac:spMkLst>
+        </pc:spChg>
+        <pc:spChg chg="mod">
+          <ac:chgData name="Klajdi Puka" userId="14444a1dce99cdc7" providerId="LiveId" clId="{F084BF42-7DC3-41AE-9EA0-D8DD7FD65F91}" dt="2021-09-18T01:52:01.679" v="215"/>
+          <ac:spMkLst>
+            <pc:docMk/>
+            <pc:sldMk cId="1911899649" sldId="261"/>
+            <ac:spMk id="38" creationId="{EF552E26-6838-4F73-8B4F-75637F7CB8DD}"/>
+          </ac:spMkLst>
+        </pc:spChg>
+        <pc:spChg chg="mod">
+          <ac:chgData name="Klajdi Puka" userId="14444a1dce99cdc7" providerId="LiveId" clId="{F084BF42-7DC3-41AE-9EA0-D8DD7FD65F91}" dt="2021-09-18T01:52:01.679" v="215"/>
+          <ac:spMkLst>
+            <pc:docMk/>
+            <pc:sldMk cId="1911899649" sldId="261"/>
+            <ac:spMk id="39" creationId="{A4AEE300-916D-4F67-9846-E964A8CFAC51}"/>
+          </ac:spMkLst>
+        </pc:spChg>
+        <pc:spChg chg="mod">
+          <ac:chgData name="Klajdi Puka" userId="14444a1dce99cdc7" providerId="LiveId" clId="{F084BF42-7DC3-41AE-9EA0-D8DD7FD65F91}" dt="2021-09-18T01:52:04.680" v="217"/>
+          <ac:spMkLst>
+            <pc:docMk/>
+            <pc:sldMk cId="1911899649" sldId="261"/>
+            <ac:spMk id="41" creationId="{28253B1C-C3C9-48F4-AEDD-BAEB9BC136AA}"/>
+          </ac:spMkLst>
+        </pc:spChg>
+        <pc:spChg chg="mod">
+          <ac:chgData name="Klajdi Puka" userId="14444a1dce99cdc7" providerId="LiveId" clId="{F084BF42-7DC3-41AE-9EA0-D8DD7FD65F91}" dt="2021-09-18T01:52:04.680" v="217"/>
+          <ac:spMkLst>
+            <pc:docMk/>
+            <pc:sldMk cId="1911899649" sldId="261"/>
+            <ac:spMk id="42" creationId="{A38BDD40-7246-42B3-B79B-4B5A312953A2}"/>
+          </ac:spMkLst>
+        </pc:spChg>
+        <pc:spChg chg="mod">
+          <ac:chgData name="Klajdi Puka" userId="14444a1dce99cdc7" providerId="LiveId" clId="{F084BF42-7DC3-41AE-9EA0-D8DD7FD65F91}" dt="2021-09-18T01:52:53.952" v="260" actId="14100"/>
+          <ac:spMkLst>
+            <pc:docMk/>
+            <pc:sldMk cId="1911899649" sldId="261"/>
+            <ac:spMk id="52" creationId="{0C128503-B6AD-422C-8DF8-9E142B85FBE2}"/>
+          </ac:spMkLst>
+        </pc:spChg>
+        <pc:spChg chg="mod">
+          <ac:chgData name="Klajdi Puka" userId="14444a1dce99cdc7" providerId="LiveId" clId="{F084BF42-7DC3-41AE-9EA0-D8DD7FD65F91}" dt="2021-09-18T01:52:53.952" v="260" actId="14100"/>
+          <ac:spMkLst>
+            <pc:docMk/>
+            <pc:sldMk cId="1911899649" sldId="261"/>
+            <ac:spMk id="53" creationId="{88090FB5-DB0F-43F3-9AF3-290CD4893DA0}"/>
+          </ac:spMkLst>
+        </pc:spChg>
+        <pc:spChg chg="mod">
+          <ac:chgData name="Klajdi Puka" userId="14444a1dce99cdc7" providerId="LiveId" clId="{F084BF42-7DC3-41AE-9EA0-D8DD7FD65F91}" dt="2021-09-18T01:51:25.932" v="197"/>
+          <ac:spMkLst>
+            <pc:docMk/>
+            <pc:sldMk cId="1911899649" sldId="261"/>
+            <ac:spMk id="56" creationId="{BEFB0ABF-8367-4064-88C5-3A5C4224D3CA}"/>
+          </ac:spMkLst>
+        </pc:spChg>
+        <pc:spChg chg="mod">
+          <ac:chgData name="Klajdi Puka" userId="14444a1dce99cdc7" providerId="LiveId" clId="{F084BF42-7DC3-41AE-9EA0-D8DD7FD65F91}" dt="2021-09-18T01:52:56.554" v="261" actId="1076"/>
+          <ac:spMkLst>
+            <pc:docMk/>
+            <pc:sldMk cId="1911899649" sldId="261"/>
+            <ac:spMk id="63" creationId="{23515F2E-3044-4CF0-9DB2-D7CF94964075}"/>
+          </ac:spMkLst>
+        </pc:spChg>
+        <pc:grpChg chg="add del mod">
+          <ac:chgData name="Klajdi Puka" userId="14444a1dce99cdc7" providerId="LiveId" clId="{F084BF42-7DC3-41AE-9EA0-D8DD7FD65F91}" dt="2021-09-18T01:51:57.265" v="214"/>
+          <ac:grpSpMkLst>
+            <pc:docMk/>
+            <pc:sldMk cId="1911899649" sldId="261"/>
+            <ac:grpSpMk id="34" creationId="{1545B85F-D4C4-4804-8135-27855E927C5E}"/>
+          </ac:grpSpMkLst>
+        </pc:grpChg>
+        <pc:grpChg chg="add del mod">
+          <ac:chgData name="Klajdi Puka" userId="14444a1dce99cdc7" providerId="LiveId" clId="{F084BF42-7DC3-41AE-9EA0-D8DD7FD65F91}" dt="2021-09-18T01:52:02.338" v="216"/>
+          <ac:grpSpMkLst>
+            <pc:docMk/>
+            <pc:sldMk cId="1911899649" sldId="261"/>
+            <ac:grpSpMk id="37" creationId="{55990B24-A154-4BDD-99F6-CCD3B9C2750A}"/>
+          </ac:grpSpMkLst>
+        </pc:grpChg>
+        <pc:grpChg chg="add mod">
+          <ac:chgData name="Klajdi Puka" userId="14444a1dce99cdc7" providerId="LiveId" clId="{F084BF42-7DC3-41AE-9EA0-D8DD7FD65F91}" dt="2021-09-18T01:52:09.272" v="219" actId="1076"/>
+          <ac:grpSpMkLst>
+            <pc:docMk/>
+            <pc:sldMk cId="1911899649" sldId="261"/>
+            <ac:grpSpMk id="40" creationId="{728ECC0E-9A6B-4DFB-B514-DEDD6E19E371}"/>
+          </ac:grpSpMkLst>
+        </pc:grpChg>
+      </pc:sldChg>
+      <pc:sldChg chg="delSp modSp add mod delAnim">
+        <pc:chgData name="Klajdi Puka" userId="14444a1dce99cdc7" providerId="LiveId" clId="{F084BF42-7DC3-41AE-9EA0-D8DD7FD65F91}" dt="2021-09-18T02:03:42.689" v="297" actId="20577"/>
+        <pc:sldMkLst>
+          <pc:docMk/>
+          <pc:sldMk cId="2374358261" sldId="262"/>
+        </pc:sldMkLst>
+        <pc:spChg chg="mod">
+          <ac:chgData name="Klajdi Puka" userId="14444a1dce99cdc7" providerId="LiveId" clId="{F084BF42-7DC3-41AE-9EA0-D8DD7FD65F91}" dt="2021-09-18T02:03:30.102" v="269" actId="20577"/>
+          <ac:spMkLst>
+            <pc:docMk/>
+            <pc:sldMk cId="2374358261" sldId="262"/>
+            <ac:spMk id="20" creationId="{B3EFB230-5AD4-49E9-8D66-492F047F1AF1}"/>
+          </ac:spMkLst>
+        </pc:spChg>
+        <pc:spChg chg="mod">
+          <ac:chgData name="Klajdi Puka" userId="14444a1dce99cdc7" providerId="LiveId" clId="{F084BF42-7DC3-41AE-9EA0-D8DD7FD65F91}" dt="2021-09-18T02:03:31.582" v="270" actId="20577"/>
+          <ac:spMkLst>
+            <pc:docMk/>
+            <pc:sldMk cId="2374358261" sldId="262"/>
+            <ac:spMk id="56" creationId="{BEFB0ABF-8367-4064-88C5-3A5C4224D3CA}"/>
+          </ac:spMkLst>
+        </pc:spChg>
+        <pc:spChg chg="mod">
+          <ac:chgData name="Klajdi Puka" userId="14444a1dce99cdc7" providerId="LiveId" clId="{F084BF42-7DC3-41AE-9EA0-D8DD7FD65F91}" dt="2021-09-18T02:03:42.689" v="297" actId="20577"/>
+          <ac:spMkLst>
+            <pc:docMk/>
+            <pc:sldMk cId="2374358261" sldId="262"/>
+            <ac:spMk id="63" creationId="{23515F2E-3044-4CF0-9DB2-D7CF94964075}"/>
+          </ac:spMkLst>
+        </pc:spChg>
+        <pc:grpChg chg="del">
+          <ac:chgData name="Klajdi Puka" userId="14444a1dce99cdc7" providerId="LiveId" clId="{F084BF42-7DC3-41AE-9EA0-D8DD7FD65F91}" dt="2021-09-18T01:53:38.141" v="268" actId="478"/>
+          <ac:grpSpMkLst>
+            <pc:docMk/>
+            <pc:sldMk cId="2374358261" sldId="262"/>
+            <ac:grpSpMk id="40" creationId="{728ECC0E-9A6B-4DFB-B514-DEDD6E19E371}"/>
+          </ac:grpSpMkLst>
+        </pc:grpChg>
+      </pc:sldChg>
+      <pc:sldChg chg="delSp add del mod ord">
+        <pc:chgData name="Klajdi Puka" userId="14444a1dce99cdc7" providerId="LiveId" clId="{F084BF42-7DC3-41AE-9EA0-D8DD7FD65F91}" dt="2021-09-18T01:53:33.400" v="266" actId="47"/>
+        <pc:sldMkLst>
+          <pc:docMk/>
+          <pc:sldMk cId="2474081522" sldId="262"/>
+        </pc:sldMkLst>
+        <pc:spChg chg="del">
+          <ac:chgData name="Klajdi Puka" userId="14444a1dce99cdc7" providerId="LiveId" clId="{F084BF42-7DC3-41AE-9EA0-D8DD7FD65F91}" dt="2021-09-18T01:53:31.121" v="265" actId="478"/>
+          <ac:spMkLst>
+            <pc:docMk/>
+            <pc:sldMk cId="2474081522" sldId="262"/>
+            <ac:spMk id="21" creationId="{7C037924-D6F3-45A3-B840-B823C52F24AD}"/>
+          </ac:spMkLst>
+        </pc:spChg>
+      </pc:sldChg>
+    </pc:docChg>
+  </pc:docChgLst>
+</pc:chgInfo>
 </file>
 
 <file path=ppt/slideLayouts/slideLayout1.xml><?xml version="1.0" encoding="utf-8"?>
@@ -3100,7 +3669,7 @@
           <a:p>
             <a:r>
               <a:rPr lang="en-CA" dirty="0"/>
-              <a:t>Poor Example:</a:t>
+              <a:t>A Poor Example:</a:t>
             </a:r>
           </a:p>
         </p:txBody>
@@ -3959,6 +4528,2091 @@
 </p:sld>
 </file>
 
+<file path=ppt/slides/slide2.xml><?xml version="1.0" encoding="utf-8"?>
+<p:sld xmlns:a="http://schemas.openxmlformats.org/drawingml/2006/main" xmlns:r="http://schemas.openxmlformats.org/officeDocument/2006/relationships" xmlns:p="http://schemas.openxmlformats.org/presentationml/2006/main">
+  <p:cSld>
+    <p:spTree>
+      <p:nvGrpSpPr>
+        <p:cNvPr id="1" name=""/>
+        <p:cNvGrpSpPr/>
+        <p:nvPr/>
+      </p:nvGrpSpPr>
+      <p:grpSpPr>
+        <a:xfrm>
+          <a:off x="0" y="0"/>
+          <a:ext cx="0" cy="0"/>
+          <a:chOff x="0" y="0"/>
+          <a:chExt cx="0" cy="0"/>
+        </a:xfrm>
+      </p:grpSpPr>
+      <p:sp>
+        <p:nvSpPr>
+          <p:cNvPr id="52" name="Rectangle 51">
+            <a:extLst>
+              <a:ext uri="{FF2B5EF4-FFF2-40B4-BE49-F238E27FC236}">
+                <a16:creationId xmlns:a16="http://schemas.microsoft.com/office/drawing/2014/main" id="{0C128503-B6AD-422C-8DF8-9E142B85FBE2}"/>
+              </a:ext>
+            </a:extLst>
+          </p:cNvPr>
+          <p:cNvSpPr/>
+          <p:nvPr/>
+        </p:nvSpPr>
+        <p:spPr>
+          <a:xfrm>
+            <a:off x="979263" y="534224"/>
+            <a:ext cx="4320000" cy="1933512"/>
+          </a:xfrm>
+          <a:prstGeom prst="rect">
+            <a:avLst/>
+          </a:prstGeom>
+          <a:noFill/>
+          <a:ln w="28575">
+            <a:solidFill>
+              <a:srgbClr val="FF0000"/>
+            </a:solidFill>
+          </a:ln>
+        </p:spPr>
+        <p:style>
+          <a:lnRef idx="2">
+            <a:schemeClr val="accent1">
+              <a:shade val="50000"/>
+            </a:schemeClr>
+          </a:lnRef>
+          <a:fillRef idx="1">
+            <a:schemeClr val="accent1"/>
+          </a:fillRef>
+          <a:effectRef idx="0">
+            <a:schemeClr val="accent1"/>
+          </a:effectRef>
+          <a:fontRef idx="minor">
+            <a:schemeClr val="lt1"/>
+          </a:fontRef>
+        </p:style>
+        <p:txBody>
+          <a:bodyPr rtlCol="0" anchor="ctr"/>
+          <a:lstStyle/>
+          <a:p>
+            <a:pPr algn="ctr"/>
+            <a:endParaRPr lang="en-CA"/>
+          </a:p>
+        </p:txBody>
+      </p:sp>
+      <p:sp>
+        <p:nvSpPr>
+          <p:cNvPr id="53" name="Rectangle 52">
+            <a:extLst>
+              <a:ext uri="{FF2B5EF4-FFF2-40B4-BE49-F238E27FC236}">
+                <a16:creationId xmlns:a16="http://schemas.microsoft.com/office/drawing/2014/main" id="{88090FB5-DB0F-43F3-9AF3-290CD4893DA0}"/>
+              </a:ext>
+            </a:extLst>
+          </p:cNvPr>
+          <p:cNvSpPr/>
+          <p:nvPr/>
+        </p:nvSpPr>
+        <p:spPr>
+          <a:xfrm>
+            <a:off x="5500500" y="530895"/>
+            <a:ext cx="4320000" cy="1933512"/>
+          </a:xfrm>
+          <a:prstGeom prst="rect">
+            <a:avLst/>
+          </a:prstGeom>
+          <a:noFill/>
+          <a:ln w="28575">
+            <a:solidFill>
+              <a:srgbClr val="00B050"/>
+            </a:solidFill>
+          </a:ln>
+        </p:spPr>
+        <p:style>
+          <a:lnRef idx="2">
+            <a:schemeClr val="accent1">
+              <a:shade val="50000"/>
+            </a:schemeClr>
+          </a:lnRef>
+          <a:fillRef idx="1">
+            <a:schemeClr val="accent1"/>
+          </a:fillRef>
+          <a:effectRef idx="0">
+            <a:schemeClr val="accent1"/>
+          </a:effectRef>
+          <a:fontRef idx="minor">
+            <a:schemeClr val="lt1"/>
+          </a:fontRef>
+        </p:style>
+        <p:txBody>
+          <a:bodyPr rtlCol="0" anchor="ctr"/>
+          <a:lstStyle/>
+          <a:p>
+            <a:pPr algn="ctr"/>
+            <a:endParaRPr lang="en-CA"/>
+          </a:p>
+        </p:txBody>
+      </p:sp>
+      <p:sp>
+        <p:nvSpPr>
+          <p:cNvPr id="54" name="TextBox 53">
+            <a:extLst>
+              <a:ext uri="{FF2B5EF4-FFF2-40B4-BE49-F238E27FC236}">
+                <a16:creationId xmlns:a16="http://schemas.microsoft.com/office/drawing/2014/main" id="{D1675A24-E920-4DE5-ABD5-510F9652F8A2}"/>
+              </a:ext>
+            </a:extLst>
+          </p:cNvPr>
+          <p:cNvSpPr txBox="1"/>
+          <p:nvPr/>
+        </p:nvSpPr>
+        <p:spPr>
+          <a:xfrm>
+            <a:off x="903736" y="135214"/>
+            <a:ext cx="3940235" cy="369332"/>
+          </a:xfrm>
+          <a:prstGeom prst="rect">
+            <a:avLst/>
+          </a:prstGeom>
+          <a:noFill/>
+        </p:spPr>
+        <p:txBody>
+          <a:bodyPr wrap="square" rtlCol="0">
+            <a:spAutoFit/>
+          </a:bodyPr>
+          <a:lstStyle/>
+          <a:p>
+            <a:r>
+              <a:rPr lang="en-CA" dirty="0"/>
+              <a:t>A Poor Example:</a:t>
+            </a:r>
+          </a:p>
+        </p:txBody>
+      </p:sp>
+      <p:sp>
+        <p:nvSpPr>
+          <p:cNvPr id="55" name="TextBox 54">
+            <a:extLst>
+              <a:ext uri="{FF2B5EF4-FFF2-40B4-BE49-F238E27FC236}">
+                <a16:creationId xmlns:a16="http://schemas.microsoft.com/office/drawing/2014/main" id="{967D7174-2C6E-4572-BD42-76EC0FCC2AD7}"/>
+              </a:ext>
+            </a:extLst>
+          </p:cNvPr>
+          <p:cNvSpPr txBox="1"/>
+          <p:nvPr/>
+        </p:nvSpPr>
+        <p:spPr>
+          <a:xfrm>
+            <a:off x="5500500" y="168322"/>
+            <a:ext cx="3940235" cy="369332"/>
+          </a:xfrm>
+          <a:prstGeom prst="rect">
+            <a:avLst/>
+          </a:prstGeom>
+          <a:noFill/>
+        </p:spPr>
+        <p:txBody>
+          <a:bodyPr wrap="square" rtlCol="0">
+            <a:spAutoFit/>
+          </a:bodyPr>
+          <a:lstStyle/>
+          <a:p>
+            <a:r>
+              <a:rPr lang="en-CA" dirty="0"/>
+              <a:t>A Better Example:</a:t>
+            </a:r>
+          </a:p>
+        </p:txBody>
+      </p:sp>
+      <p:sp>
+        <p:nvSpPr>
+          <p:cNvPr id="56" name="TextBox 55">
+            <a:extLst>
+              <a:ext uri="{FF2B5EF4-FFF2-40B4-BE49-F238E27FC236}">
+                <a16:creationId xmlns:a16="http://schemas.microsoft.com/office/drawing/2014/main" id="{BEFB0ABF-8367-4064-88C5-3A5C4224D3CA}"/>
+              </a:ext>
+            </a:extLst>
+          </p:cNvPr>
+          <p:cNvSpPr txBox="1"/>
+          <p:nvPr/>
+        </p:nvSpPr>
+        <p:spPr>
+          <a:xfrm>
+            <a:off x="1114683" y="648525"/>
+            <a:ext cx="3903763" cy="1815882"/>
+          </a:xfrm>
+          <a:prstGeom prst="rect">
+            <a:avLst/>
+          </a:prstGeom>
+          <a:noFill/>
+        </p:spPr>
+        <p:txBody>
+          <a:bodyPr wrap="square">
+            <a:spAutoFit/>
+          </a:bodyPr>
+          <a:lstStyle/>
+          <a:p>
+            <a:r>
+              <a:rPr lang="en-US" sz="1400" dirty="0"/>
+              <a:t>2. To what extent do you agree that your </a:t>
+            </a:r>
+          </a:p>
+          <a:p>
+            <a:r>
+              <a:rPr lang="en-US" sz="1400" dirty="0"/>
+              <a:t>instructors are accessible outside of class? </a:t>
+            </a:r>
+          </a:p>
+          <a:p>
+            <a:pPr marL="574675" indent="-287338">
+              <a:buFont typeface="Calibri" pitchFamily="34" charset="0"/>
+              <a:buChar char="⃝"/>
+            </a:pPr>
+            <a:r>
+              <a:rPr lang="en-US" sz="1400" dirty="0"/>
+              <a:t>Significantly agree</a:t>
+            </a:r>
+          </a:p>
+          <a:p>
+            <a:pPr marL="574675" indent="-287338">
+              <a:buFont typeface="Calibri" pitchFamily="34" charset="0"/>
+              <a:buChar char="⃝"/>
+            </a:pPr>
+            <a:r>
+              <a:rPr lang="en-US" sz="1400" dirty="0"/>
+              <a:t>Strongly agree</a:t>
+            </a:r>
+          </a:p>
+          <a:p>
+            <a:pPr marL="574675" indent="-287338">
+              <a:buFont typeface="Calibri" pitchFamily="34" charset="0"/>
+              <a:buChar char="⃝"/>
+            </a:pPr>
+            <a:r>
+              <a:rPr lang="en-US" sz="1400" dirty="0"/>
+              <a:t>Agree</a:t>
+            </a:r>
+          </a:p>
+          <a:p>
+            <a:pPr marL="574675" indent="-287338">
+              <a:buFont typeface="Calibri" pitchFamily="34" charset="0"/>
+              <a:buChar char="⃝"/>
+            </a:pPr>
+            <a:r>
+              <a:rPr lang="en-US" sz="1400" dirty="0"/>
+              <a:t>Neutral</a:t>
+            </a:r>
+          </a:p>
+          <a:p>
+            <a:pPr marL="574675" indent="-287338">
+              <a:buFont typeface="Calibri" pitchFamily="34" charset="0"/>
+              <a:buChar char="⃝"/>
+            </a:pPr>
+            <a:r>
+              <a:rPr lang="en-US" sz="1400" dirty="0"/>
+              <a:t>Disagree</a:t>
+            </a:r>
+          </a:p>
+          <a:p>
+            <a:pPr marL="574675" indent="-287338">
+              <a:buFont typeface="Calibri" pitchFamily="34" charset="0"/>
+              <a:buChar char="⃝"/>
+            </a:pPr>
+            <a:r>
+              <a:rPr lang="en-US" sz="1400" dirty="0"/>
+              <a:t>Strongly disagree</a:t>
+            </a:r>
+            <a:endParaRPr lang="en-US" sz="1400" dirty="0">
+              <a:sym typeface="Wingdings 2"/>
+            </a:endParaRPr>
+          </a:p>
+        </p:txBody>
+      </p:sp>
+      <p:sp>
+        <p:nvSpPr>
+          <p:cNvPr id="63" name="TextBox 62">
+            <a:extLst>
+              <a:ext uri="{FF2B5EF4-FFF2-40B4-BE49-F238E27FC236}">
+                <a16:creationId xmlns:a16="http://schemas.microsoft.com/office/drawing/2014/main" id="{23515F2E-3044-4CF0-9DB2-D7CF94964075}"/>
+              </a:ext>
+            </a:extLst>
+          </p:cNvPr>
+          <p:cNvSpPr txBox="1"/>
+          <p:nvPr/>
+        </p:nvSpPr>
+        <p:spPr>
+          <a:xfrm>
+            <a:off x="2682237" y="2513787"/>
+            <a:ext cx="6297306" cy="1323439"/>
+          </a:xfrm>
+          <a:prstGeom prst="rect">
+            <a:avLst/>
+          </a:prstGeom>
+          <a:noFill/>
+        </p:spPr>
+        <p:txBody>
+          <a:bodyPr wrap="square">
+            <a:spAutoFit/>
+          </a:bodyPr>
+          <a:lstStyle/>
+          <a:p>
+            <a:pPr marL="285750" indent="-285750">
+              <a:spcAft>
+                <a:spcPts val="300"/>
+              </a:spcAft>
+              <a:buFont typeface="Wingdings" pitchFamily="2" charset="2"/>
+              <a:buChar char="ü"/>
+            </a:pPr>
+            <a:r>
+              <a:rPr lang="en-US" sz="1400" dirty="0"/>
+              <a:t>Reduce complexity - question stem and response options should match</a:t>
+            </a:r>
+          </a:p>
+          <a:p>
+            <a:pPr marL="285750" indent="-285750">
+              <a:spcAft>
+                <a:spcPts val="300"/>
+              </a:spcAft>
+              <a:buFont typeface="Wingdings" pitchFamily="2" charset="2"/>
+              <a:buChar char="ü"/>
+            </a:pPr>
+            <a:r>
+              <a:rPr lang="en-US" sz="1400" dirty="0"/>
+              <a:t>Provide balanced scales – categories should be relatively equal distance apart</a:t>
+            </a:r>
+          </a:p>
+          <a:p>
+            <a:pPr marL="285750" indent="-285750">
+              <a:spcAft>
+                <a:spcPts val="300"/>
+              </a:spcAft>
+              <a:buFont typeface="Wingdings" pitchFamily="2" charset="2"/>
+              <a:buChar char="ü"/>
+            </a:pPr>
+            <a:r>
+              <a:rPr lang="en-US" sz="1400" dirty="0"/>
+              <a:t>Avoid having too many response options – may become difficult to differentiate</a:t>
+            </a:r>
+          </a:p>
+          <a:p>
+            <a:pPr marL="285750" indent="-285750">
+              <a:spcAft>
+                <a:spcPts val="300"/>
+              </a:spcAft>
+              <a:buFont typeface="Wingdings" pitchFamily="2" charset="2"/>
+              <a:buChar char="ü"/>
+            </a:pPr>
+            <a:r>
+              <a:rPr lang="en-US" sz="1400" dirty="0"/>
+              <a:t>Use positive and negative side in question stem; for unipolar scales use “if at all”</a:t>
+            </a:r>
+          </a:p>
+          <a:p>
+            <a:pPr marL="285750" indent="-285750">
+              <a:spcAft>
+                <a:spcPts val="300"/>
+              </a:spcAft>
+              <a:buFont typeface="Wingdings" pitchFamily="2" charset="2"/>
+              <a:buChar char="ü"/>
+            </a:pPr>
+            <a:r>
+              <a:rPr lang="en-US" sz="1400" dirty="0"/>
+              <a:t>Do not include or minimize salience of elements not important for respondents</a:t>
+            </a:r>
+          </a:p>
+        </p:txBody>
+      </p:sp>
+      <p:sp>
+        <p:nvSpPr>
+          <p:cNvPr id="20" name="TextBox 19">
+            <a:extLst>
+              <a:ext uri="{FF2B5EF4-FFF2-40B4-BE49-F238E27FC236}">
+                <a16:creationId xmlns:a16="http://schemas.microsoft.com/office/drawing/2014/main" id="{B3EFB230-5AD4-49E9-8D66-492F047F1AF1}"/>
+              </a:ext>
+            </a:extLst>
+          </p:cNvPr>
+          <p:cNvSpPr txBox="1"/>
+          <p:nvPr/>
+        </p:nvSpPr>
+        <p:spPr>
+          <a:xfrm>
+            <a:off x="5536972" y="648525"/>
+            <a:ext cx="3903763" cy="1600438"/>
+          </a:xfrm>
+          <a:prstGeom prst="rect">
+            <a:avLst/>
+          </a:prstGeom>
+          <a:noFill/>
+        </p:spPr>
+        <p:txBody>
+          <a:bodyPr wrap="square">
+            <a:spAutoFit/>
+          </a:bodyPr>
+          <a:lstStyle/>
+          <a:p>
+            <a:r>
+              <a:rPr lang="en-US" sz="1400" dirty="0"/>
+              <a:t>2. To what extent do you agree that your </a:t>
+            </a:r>
+          </a:p>
+          <a:p>
+            <a:r>
+              <a:rPr lang="en-US" sz="1400" dirty="0"/>
+              <a:t>instructors are accessible outside of class? </a:t>
+            </a:r>
+          </a:p>
+          <a:p>
+            <a:pPr marL="574675" indent="-287338">
+              <a:buFont typeface="Calibri" pitchFamily="34" charset="0"/>
+              <a:buChar char="⃝"/>
+            </a:pPr>
+            <a:r>
+              <a:rPr lang="en-US" sz="1400" dirty="0"/>
+              <a:t>Strongly agree</a:t>
+            </a:r>
+          </a:p>
+          <a:p>
+            <a:pPr marL="574675" indent="-287338">
+              <a:buFont typeface="Calibri" pitchFamily="34" charset="0"/>
+              <a:buChar char="⃝"/>
+            </a:pPr>
+            <a:r>
+              <a:rPr lang="en-US" sz="1400" dirty="0"/>
+              <a:t>Agree</a:t>
+            </a:r>
+          </a:p>
+          <a:p>
+            <a:pPr marL="574675" indent="-287338">
+              <a:buFont typeface="Calibri" pitchFamily="34" charset="0"/>
+              <a:buChar char="⃝"/>
+            </a:pPr>
+            <a:r>
+              <a:rPr lang="en-US" sz="1400" dirty="0"/>
+              <a:t>Neutral</a:t>
+            </a:r>
+          </a:p>
+          <a:p>
+            <a:pPr marL="574675" indent="-287338">
+              <a:buFont typeface="Calibri" pitchFamily="34" charset="0"/>
+              <a:buChar char="⃝"/>
+            </a:pPr>
+            <a:r>
+              <a:rPr lang="en-US" sz="1400" dirty="0"/>
+              <a:t>Disagree</a:t>
+            </a:r>
+          </a:p>
+          <a:p>
+            <a:pPr marL="574675" indent="-287338">
+              <a:buFont typeface="Calibri" pitchFamily="34" charset="0"/>
+              <a:buChar char="⃝"/>
+            </a:pPr>
+            <a:r>
+              <a:rPr lang="en-US" sz="1400" dirty="0"/>
+              <a:t>Strongly disagree</a:t>
+            </a:r>
+            <a:endParaRPr lang="en-US" sz="1400" dirty="0">
+              <a:sym typeface="Wingdings 2"/>
+            </a:endParaRPr>
+          </a:p>
+        </p:txBody>
+      </p:sp>
+      <p:sp>
+        <p:nvSpPr>
+          <p:cNvPr id="21" name="TextBox 20">
+            <a:extLst>
+              <a:ext uri="{FF2B5EF4-FFF2-40B4-BE49-F238E27FC236}">
+                <a16:creationId xmlns:a16="http://schemas.microsoft.com/office/drawing/2014/main" id="{7C037924-D6F3-45A3-B840-B823C52F24AD}"/>
+              </a:ext>
+            </a:extLst>
+          </p:cNvPr>
+          <p:cNvSpPr txBox="1"/>
+          <p:nvPr/>
+        </p:nvSpPr>
+        <p:spPr>
+          <a:xfrm>
+            <a:off x="1454832" y="1115695"/>
+            <a:ext cx="341644" cy="246221"/>
+          </a:xfrm>
+          <a:prstGeom prst="rect">
+            <a:avLst/>
+          </a:prstGeom>
+          <a:noFill/>
+        </p:spPr>
+        <p:txBody>
+          <a:bodyPr wrap="square" rtlCol="0">
+            <a:spAutoFit/>
+          </a:bodyPr>
+          <a:lstStyle/>
+          <a:p>
+            <a:r>
+              <a:rPr lang="en-US" sz="1000" dirty="0"/>
+              <a:t>1</a:t>
+            </a:r>
+            <a:endParaRPr lang="en-US" sz="1400" dirty="0"/>
+          </a:p>
+        </p:txBody>
+      </p:sp>
+      <p:sp>
+        <p:nvSpPr>
+          <p:cNvPr id="22" name="TextBox 21">
+            <a:extLst>
+              <a:ext uri="{FF2B5EF4-FFF2-40B4-BE49-F238E27FC236}">
+                <a16:creationId xmlns:a16="http://schemas.microsoft.com/office/drawing/2014/main" id="{B1ECB44B-9C50-4D4D-AA2C-B47FB0B1CFF6}"/>
+              </a:ext>
+            </a:extLst>
+          </p:cNvPr>
+          <p:cNvSpPr txBox="1"/>
+          <p:nvPr/>
+        </p:nvSpPr>
+        <p:spPr>
+          <a:xfrm>
+            <a:off x="1460547" y="1329961"/>
+            <a:ext cx="341644" cy="246221"/>
+          </a:xfrm>
+          <a:prstGeom prst="rect">
+            <a:avLst/>
+          </a:prstGeom>
+          <a:noFill/>
+        </p:spPr>
+        <p:txBody>
+          <a:bodyPr wrap="square" rtlCol="0">
+            <a:spAutoFit/>
+          </a:bodyPr>
+          <a:lstStyle/>
+          <a:p>
+            <a:r>
+              <a:rPr lang="en-US" sz="1000" dirty="0"/>
+              <a:t>2</a:t>
+            </a:r>
+            <a:endParaRPr lang="en-US" sz="1400" dirty="0"/>
+          </a:p>
+        </p:txBody>
+      </p:sp>
+      <p:sp>
+        <p:nvSpPr>
+          <p:cNvPr id="23" name="TextBox 22">
+            <a:extLst>
+              <a:ext uri="{FF2B5EF4-FFF2-40B4-BE49-F238E27FC236}">
+                <a16:creationId xmlns:a16="http://schemas.microsoft.com/office/drawing/2014/main" id="{57C3CC0A-E27E-4B60-9067-7A65361A6B2A}"/>
+              </a:ext>
+            </a:extLst>
+          </p:cNvPr>
+          <p:cNvSpPr txBox="1"/>
+          <p:nvPr/>
+        </p:nvSpPr>
+        <p:spPr>
+          <a:xfrm>
+            <a:off x="1458970" y="1543761"/>
+            <a:ext cx="341644" cy="246221"/>
+          </a:xfrm>
+          <a:prstGeom prst="rect">
+            <a:avLst/>
+          </a:prstGeom>
+          <a:noFill/>
+        </p:spPr>
+        <p:txBody>
+          <a:bodyPr wrap="square" rtlCol="0">
+            <a:spAutoFit/>
+          </a:bodyPr>
+          <a:lstStyle/>
+          <a:p>
+            <a:r>
+              <a:rPr lang="en-US" sz="1000" dirty="0"/>
+              <a:t>3</a:t>
+            </a:r>
+            <a:endParaRPr lang="en-US" sz="1400" dirty="0"/>
+          </a:p>
+        </p:txBody>
+      </p:sp>
+      <p:sp>
+        <p:nvSpPr>
+          <p:cNvPr id="24" name="TextBox 23">
+            <a:extLst>
+              <a:ext uri="{FF2B5EF4-FFF2-40B4-BE49-F238E27FC236}">
+                <a16:creationId xmlns:a16="http://schemas.microsoft.com/office/drawing/2014/main" id="{E7126B70-2501-4D35-A150-F23FAC2BEF26}"/>
+              </a:ext>
+            </a:extLst>
+          </p:cNvPr>
+          <p:cNvSpPr txBox="1"/>
+          <p:nvPr/>
+        </p:nvSpPr>
+        <p:spPr>
+          <a:xfrm>
+            <a:off x="1450503" y="1760992"/>
+            <a:ext cx="341644" cy="246221"/>
+          </a:xfrm>
+          <a:prstGeom prst="rect">
+            <a:avLst/>
+          </a:prstGeom>
+          <a:noFill/>
+        </p:spPr>
+        <p:txBody>
+          <a:bodyPr wrap="square" rtlCol="0">
+            <a:spAutoFit/>
+          </a:bodyPr>
+          <a:lstStyle/>
+          <a:p>
+            <a:r>
+              <a:rPr lang="en-US" sz="1000" dirty="0"/>
+              <a:t>4</a:t>
+            </a:r>
+            <a:endParaRPr lang="en-US" sz="1400" dirty="0"/>
+          </a:p>
+        </p:txBody>
+      </p:sp>
+      <p:sp>
+        <p:nvSpPr>
+          <p:cNvPr id="25" name="TextBox 24">
+            <a:extLst>
+              <a:ext uri="{FF2B5EF4-FFF2-40B4-BE49-F238E27FC236}">
+                <a16:creationId xmlns:a16="http://schemas.microsoft.com/office/drawing/2014/main" id="{394BB063-105A-4460-AC44-0F1013B04D1C}"/>
+              </a:ext>
+            </a:extLst>
+          </p:cNvPr>
+          <p:cNvSpPr txBox="1"/>
+          <p:nvPr/>
+        </p:nvSpPr>
+        <p:spPr>
+          <a:xfrm>
+            <a:off x="1458970" y="1971965"/>
+            <a:ext cx="341644" cy="246221"/>
+          </a:xfrm>
+          <a:prstGeom prst="rect">
+            <a:avLst/>
+          </a:prstGeom>
+          <a:noFill/>
+        </p:spPr>
+        <p:txBody>
+          <a:bodyPr wrap="square" rtlCol="0">
+            <a:spAutoFit/>
+          </a:bodyPr>
+          <a:lstStyle/>
+          <a:p>
+            <a:r>
+              <a:rPr lang="en-US" sz="1000" dirty="0"/>
+              <a:t>5</a:t>
+            </a:r>
+            <a:endParaRPr lang="en-US" sz="1400" dirty="0"/>
+          </a:p>
+        </p:txBody>
+      </p:sp>
+      <p:sp>
+        <p:nvSpPr>
+          <p:cNvPr id="26" name="TextBox 25">
+            <a:extLst>
+              <a:ext uri="{FF2B5EF4-FFF2-40B4-BE49-F238E27FC236}">
+                <a16:creationId xmlns:a16="http://schemas.microsoft.com/office/drawing/2014/main" id="{3657DB31-DA84-42F1-A96D-D775DEA55720}"/>
+              </a:ext>
+            </a:extLst>
+          </p:cNvPr>
+          <p:cNvSpPr txBox="1"/>
+          <p:nvPr/>
+        </p:nvSpPr>
+        <p:spPr>
+          <a:xfrm>
+            <a:off x="1450503" y="2179011"/>
+            <a:ext cx="341644" cy="246221"/>
+          </a:xfrm>
+          <a:prstGeom prst="rect">
+            <a:avLst/>
+          </a:prstGeom>
+          <a:noFill/>
+        </p:spPr>
+        <p:txBody>
+          <a:bodyPr wrap="square" rtlCol="0">
+            <a:spAutoFit/>
+          </a:bodyPr>
+          <a:lstStyle/>
+          <a:p>
+            <a:r>
+              <a:rPr lang="en-US" sz="1000" dirty="0"/>
+              <a:t>6</a:t>
+            </a:r>
+            <a:endParaRPr lang="en-US" sz="1400" dirty="0"/>
+          </a:p>
+        </p:txBody>
+      </p:sp>
+      <p:sp>
+        <p:nvSpPr>
+          <p:cNvPr id="27" name="TextBox 26">
+            <a:extLst>
+              <a:ext uri="{FF2B5EF4-FFF2-40B4-BE49-F238E27FC236}">
+                <a16:creationId xmlns:a16="http://schemas.microsoft.com/office/drawing/2014/main" id="{F1BA5A2F-AB49-40AE-BCFE-D6954AA9F360}"/>
+              </a:ext>
+            </a:extLst>
+          </p:cNvPr>
+          <p:cNvSpPr txBox="1"/>
+          <p:nvPr/>
+        </p:nvSpPr>
+        <p:spPr>
+          <a:xfrm>
+            <a:off x="5746932" y="1115304"/>
+            <a:ext cx="341644" cy="246221"/>
+          </a:xfrm>
+          <a:prstGeom prst="rect">
+            <a:avLst/>
+          </a:prstGeom>
+          <a:noFill/>
+        </p:spPr>
+        <p:txBody>
+          <a:bodyPr wrap="square" rtlCol="0">
+            <a:spAutoFit/>
+          </a:bodyPr>
+          <a:lstStyle/>
+          <a:p>
+            <a:r>
+              <a:rPr lang="en-US" sz="1000" dirty="0">
+                <a:solidFill>
+                  <a:schemeClr val="bg1">
+                    <a:lumMod val="85000"/>
+                  </a:schemeClr>
+                </a:solidFill>
+              </a:rPr>
+              <a:t>1</a:t>
+            </a:r>
+            <a:endParaRPr lang="en-US" sz="1400" dirty="0">
+              <a:solidFill>
+                <a:schemeClr val="bg1">
+                  <a:lumMod val="85000"/>
+                </a:schemeClr>
+              </a:solidFill>
+            </a:endParaRPr>
+          </a:p>
+        </p:txBody>
+      </p:sp>
+      <p:sp>
+        <p:nvSpPr>
+          <p:cNvPr id="28" name="TextBox 27">
+            <a:extLst>
+              <a:ext uri="{FF2B5EF4-FFF2-40B4-BE49-F238E27FC236}">
+                <a16:creationId xmlns:a16="http://schemas.microsoft.com/office/drawing/2014/main" id="{E937D72C-D0BA-4D1A-A510-DFE8CA7347EF}"/>
+              </a:ext>
+            </a:extLst>
+          </p:cNvPr>
+          <p:cNvSpPr txBox="1"/>
+          <p:nvPr/>
+        </p:nvSpPr>
+        <p:spPr>
+          <a:xfrm>
+            <a:off x="5746932" y="1335213"/>
+            <a:ext cx="341644" cy="246221"/>
+          </a:xfrm>
+          <a:prstGeom prst="rect">
+            <a:avLst/>
+          </a:prstGeom>
+          <a:noFill/>
+        </p:spPr>
+        <p:txBody>
+          <a:bodyPr wrap="square" rtlCol="0">
+            <a:spAutoFit/>
+          </a:bodyPr>
+          <a:lstStyle/>
+          <a:p>
+            <a:r>
+              <a:rPr lang="en-US" sz="1000" dirty="0">
+                <a:solidFill>
+                  <a:schemeClr val="bg1">
+                    <a:lumMod val="85000"/>
+                  </a:schemeClr>
+                </a:solidFill>
+              </a:rPr>
+              <a:t>2</a:t>
+            </a:r>
+            <a:endParaRPr lang="en-US" sz="1400" dirty="0">
+              <a:solidFill>
+                <a:schemeClr val="bg1">
+                  <a:lumMod val="85000"/>
+                </a:schemeClr>
+              </a:solidFill>
+            </a:endParaRPr>
+          </a:p>
+        </p:txBody>
+      </p:sp>
+      <p:sp>
+        <p:nvSpPr>
+          <p:cNvPr id="29" name="TextBox 28">
+            <a:extLst>
+              <a:ext uri="{FF2B5EF4-FFF2-40B4-BE49-F238E27FC236}">
+                <a16:creationId xmlns:a16="http://schemas.microsoft.com/office/drawing/2014/main" id="{9C7F0E68-BCF7-44D6-B769-3813A94A8799}"/>
+              </a:ext>
+            </a:extLst>
+          </p:cNvPr>
+          <p:cNvSpPr txBox="1"/>
+          <p:nvPr/>
+        </p:nvSpPr>
+        <p:spPr>
+          <a:xfrm>
+            <a:off x="5746932" y="1531658"/>
+            <a:ext cx="341644" cy="246221"/>
+          </a:xfrm>
+          <a:prstGeom prst="rect">
+            <a:avLst/>
+          </a:prstGeom>
+          <a:noFill/>
+        </p:spPr>
+        <p:txBody>
+          <a:bodyPr wrap="square" rtlCol="0">
+            <a:spAutoFit/>
+          </a:bodyPr>
+          <a:lstStyle/>
+          <a:p>
+            <a:r>
+              <a:rPr lang="en-US" sz="1000" dirty="0">
+                <a:solidFill>
+                  <a:schemeClr val="bg1">
+                    <a:lumMod val="85000"/>
+                  </a:schemeClr>
+                </a:solidFill>
+              </a:rPr>
+              <a:t>3</a:t>
+            </a:r>
+            <a:endParaRPr lang="en-US" sz="1400" dirty="0">
+              <a:solidFill>
+                <a:schemeClr val="bg1">
+                  <a:lumMod val="85000"/>
+                </a:schemeClr>
+              </a:solidFill>
+            </a:endParaRPr>
+          </a:p>
+        </p:txBody>
+      </p:sp>
+      <p:sp>
+        <p:nvSpPr>
+          <p:cNvPr id="30" name="TextBox 29">
+            <a:extLst>
+              <a:ext uri="{FF2B5EF4-FFF2-40B4-BE49-F238E27FC236}">
+                <a16:creationId xmlns:a16="http://schemas.microsoft.com/office/drawing/2014/main" id="{C9D3EB86-5A4C-4C1E-BDED-30F56A2174F6}"/>
+              </a:ext>
+            </a:extLst>
+          </p:cNvPr>
+          <p:cNvSpPr txBox="1"/>
+          <p:nvPr/>
+        </p:nvSpPr>
+        <p:spPr>
+          <a:xfrm>
+            <a:off x="5746932" y="1740192"/>
+            <a:ext cx="341644" cy="246221"/>
+          </a:xfrm>
+          <a:prstGeom prst="rect">
+            <a:avLst/>
+          </a:prstGeom>
+          <a:noFill/>
+        </p:spPr>
+        <p:txBody>
+          <a:bodyPr wrap="square" rtlCol="0">
+            <a:spAutoFit/>
+          </a:bodyPr>
+          <a:lstStyle/>
+          <a:p>
+            <a:r>
+              <a:rPr lang="en-US" sz="1000" dirty="0">
+                <a:solidFill>
+                  <a:schemeClr val="bg1">
+                    <a:lumMod val="85000"/>
+                  </a:schemeClr>
+                </a:solidFill>
+              </a:rPr>
+              <a:t>4</a:t>
+            </a:r>
+            <a:endParaRPr lang="en-US" sz="1400" dirty="0">
+              <a:solidFill>
+                <a:schemeClr val="bg1">
+                  <a:lumMod val="85000"/>
+                </a:schemeClr>
+              </a:solidFill>
+            </a:endParaRPr>
+          </a:p>
+        </p:txBody>
+      </p:sp>
+      <p:sp>
+        <p:nvSpPr>
+          <p:cNvPr id="31" name="TextBox 30">
+            <a:extLst>
+              <a:ext uri="{FF2B5EF4-FFF2-40B4-BE49-F238E27FC236}">
+                <a16:creationId xmlns:a16="http://schemas.microsoft.com/office/drawing/2014/main" id="{4C9E517F-D09F-4FB2-821B-D76F15B7D6E2}"/>
+              </a:ext>
+            </a:extLst>
+          </p:cNvPr>
+          <p:cNvSpPr txBox="1"/>
+          <p:nvPr/>
+        </p:nvSpPr>
+        <p:spPr>
+          <a:xfrm>
+            <a:off x="5746932" y="1971964"/>
+            <a:ext cx="341644" cy="246221"/>
+          </a:xfrm>
+          <a:prstGeom prst="rect">
+            <a:avLst/>
+          </a:prstGeom>
+          <a:noFill/>
+        </p:spPr>
+        <p:txBody>
+          <a:bodyPr wrap="square" rtlCol="0">
+            <a:spAutoFit/>
+          </a:bodyPr>
+          <a:lstStyle/>
+          <a:p>
+            <a:r>
+              <a:rPr lang="en-US" sz="1000" dirty="0">
+                <a:solidFill>
+                  <a:schemeClr val="bg1">
+                    <a:lumMod val="85000"/>
+                  </a:schemeClr>
+                </a:solidFill>
+              </a:rPr>
+              <a:t>5</a:t>
+            </a:r>
+            <a:endParaRPr lang="en-US" sz="1400" dirty="0">
+              <a:solidFill>
+                <a:schemeClr val="bg1">
+                  <a:lumMod val="85000"/>
+                </a:schemeClr>
+              </a:solidFill>
+            </a:endParaRPr>
+          </a:p>
+        </p:txBody>
+      </p:sp>
+      <p:sp>
+        <p:nvSpPr>
+          <p:cNvPr id="32" name="TextBox 31">
+            <a:extLst>
+              <a:ext uri="{FF2B5EF4-FFF2-40B4-BE49-F238E27FC236}">
+                <a16:creationId xmlns:a16="http://schemas.microsoft.com/office/drawing/2014/main" id="{6548180A-7821-4AFF-9ECB-F488F466B2E3}"/>
+              </a:ext>
+            </a:extLst>
+          </p:cNvPr>
+          <p:cNvSpPr txBox="1"/>
+          <p:nvPr/>
+        </p:nvSpPr>
+        <p:spPr>
+          <a:xfrm>
+            <a:off x="1763103" y="2492363"/>
+            <a:ext cx="1090430" cy="307777"/>
+          </a:xfrm>
+          <a:prstGeom prst="rect">
+            <a:avLst/>
+          </a:prstGeom>
+          <a:noFill/>
+        </p:spPr>
+        <p:txBody>
+          <a:bodyPr wrap="square">
+            <a:spAutoFit/>
+          </a:bodyPr>
+          <a:lstStyle/>
+          <a:p>
+            <a:pPr>
+              <a:spcAft>
+                <a:spcPts val="300"/>
+              </a:spcAft>
+            </a:pPr>
+            <a:r>
+              <a:rPr lang="en-US" sz="1400" dirty="0"/>
+              <a:t>Key points:</a:t>
+            </a:r>
+          </a:p>
+        </p:txBody>
+      </p:sp>
+    </p:spTree>
+    <p:extLst>
+      <p:ext uri="{BB962C8B-B14F-4D97-AF65-F5344CB8AC3E}">
+        <p14:creationId xmlns:p14="http://schemas.microsoft.com/office/powerpoint/2010/main" val="4243999614"/>
+      </p:ext>
+    </p:extLst>
+  </p:cSld>
+  <p:clrMapOvr>
+    <a:masterClrMapping/>
+  </p:clrMapOvr>
+</p:sld>
+</file>
+
+<file path=ppt/slides/slide3.xml><?xml version="1.0" encoding="utf-8"?>
+<p:sld xmlns:a="http://schemas.openxmlformats.org/drawingml/2006/main" xmlns:r="http://schemas.openxmlformats.org/officeDocument/2006/relationships" xmlns:p="http://schemas.openxmlformats.org/presentationml/2006/main">
+  <p:cSld>
+    <p:spTree>
+      <p:nvGrpSpPr>
+        <p:cNvPr id="1" name=""/>
+        <p:cNvGrpSpPr/>
+        <p:nvPr/>
+      </p:nvGrpSpPr>
+      <p:grpSpPr>
+        <a:xfrm>
+          <a:off x="0" y="0"/>
+          <a:ext cx="0" cy="0"/>
+          <a:chOff x="0" y="0"/>
+          <a:chExt cx="0" cy="0"/>
+        </a:xfrm>
+      </p:grpSpPr>
+      <p:sp>
+        <p:nvSpPr>
+          <p:cNvPr id="52" name="Rectangle 51">
+            <a:extLst>
+              <a:ext uri="{FF2B5EF4-FFF2-40B4-BE49-F238E27FC236}">
+                <a16:creationId xmlns:a16="http://schemas.microsoft.com/office/drawing/2014/main" id="{0C128503-B6AD-422C-8DF8-9E142B85FBE2}"/>
+              </a:ext>
+            </a:extLst>
+          </p:cNvPr>
+          <p:cNvSpPr/>
+          <p:nvPr/>
+        </p:nvSpPr>
+        <p:spPr>
+          <a:xfrm>
+            <a:off x="979263" y="534225"/>
+            <a:ext cx="4320000" cy="1149796"/>
+          </a:xfrm>
+          <a:prstGeom prst="rect">
+            <a:avLst/>
+          </a:prstGeom>
+          <a:noFill/>
+          <a:ln w="28575">
+            <a:solidFill>
+              <a:srgbClr val="FF0000"/>
+            </a:solidFill>
+          </a:ln>
+        </p:spPr>
+        <p:style>
+          <a:lnRef idx="2">
+            <a:schemeClr val="accent1">
+              <a:shade val="50000"/>
+            </a:schemeClr>
+          </a:lnRef>
+          <a:fillRef idx="1">
+            <a:schemeClr val="accent1"/>
+          </a:fillRef>
+          <a:effectRef idx="0">
+            <a:schemeClr val="accent1"/>
+          </a:effectRef>
+          <a:fontRef idx="minor">
+            <a:schemeClr val="lt1"/>
+          </a:fontRef>
+        </p:style>
+        <p:txBody>
+          <a:bodyPr rtlCol="0" anchor="ctr"/>
+          <a:lstStyle/>
+          <a:p>
+            <a:pPr algn="ctr"/>
+            <a:endParaRPr lang="en-CA"/>
+          </a:p>
+        </p:txBody>
+      </p:sp>
+      <p:sp>
+        <p:nvSpPr>
+          <p:cNvPr id="53" name="Rectangle 52">
+            <a:extLst>
+              <a:ext uri="{FF2B5EF4-FFF2-40B4-BE49-F238E27FC236}">
+                <a16:creationId xmlns:a16="http://schemas.microsoft.com/office/drawing/2014/main" id="{88090FB5-DB0F-43F3-9AF3-290CD4893DA0}"/>
+              </a:ext>
+            </a:extLst>
+          </p:cNvPr>
+          <p:cNvSpPr/>
+          <p:nvPr/>
+        </p:nvSpPr>
+        <p:spPr>
+          <a:xfrm>
+            <a:off x="5500500" y="530896"/>
+            <a:ext cx="4320000" cy="1149796"/>
+          </a:xfrm>
+          <a:prstGeom prst="rect">
+            <a:avLst/>
+          </a:prstGeom>
+          <a:noFill/>
+          <a:ln w="28575">
+            <a:solidFill>
+              <a:srgbClr val="00B050"/>
+            </a:solidFill>
+          </a:ln>
+        </p:spPr>
+        <p:style>
+          <a:lnRef idx="2">
+            <a:schemeClr val="accent1">
+              <a:shade val="50000"/>
+            </a:schemeClr>
+          </a:lnRef>
+          <a:fillRef idx="1">
+            <a:schemeClr val="accent1"/>
+          </a:fillRef>
+          <a:effectRef idx="0">
+            <a:schemeClr val="accent1"/>
+          </a:effectRef>
+          <a:fontRef idx="minor">
+            <a:schemeClr val="lt1"/>
+          </a:fontRef>
+        </p:style>
+        <p:txBody>
+          <a:bodyPr rtlCol="0" anchor="ctr"/>
+          <a:lstStyle/>
+          <a:p>
+            <a:pPr algn="ctr"/>
+            <a:endParaRPr lang="en-CA"/>
+          </a:p>
+        </p:txBody>
+      </p:sp>
+      <p:sp>
+        <p:nvSpPr>
+          <p:cNvPr id="54" name="TextBox 53">
+            <a:extLst>
+              <a:ext uri="{FF2B5EF4-FFF2-40B4-BE49-F238E27FC236}">
+                <a16:creationId xmlns:a16="http://schemas.microsoft.com/office/drawing/2014/main" id="{D1675A24-E920-4DE5-ABD5-510F9652F8A2}"/>
+              </a:ext>
+            </a:extLst>
+          </p:cNvPr>
+          <p:cNvSpPr txBox="1"/>
+          <p:nvPr/>
+        </p:nvSpPr>
+        <p:spPr>
+          <a:xfrm>
+            <a:off x="903736" y="135214"/>
+            <a:ext cx="3940235" cy="369332"/>
+          </a:xfrm>
+          <a:prstGeom prst="rect">
+            <a:avLst/>
+          </a:prstGeom>
+          <a:noFill/>
+        </p:spPr>
+        <p:txBody>
+          <a:bodyPr wrap="square" rtlCol="0">
+            <a:spAutoFit/>
+          </a:bodyPr>
+          <a:lstStyle/>
+          <a:p>
+            <a:r>
+              <a:rPr lang="en-CA" dirty="0"/>
+              <a:t>A Poor Example:</a:t>
+            </a:r>
+          </a:p>
+        </p:txBody>
+      </p:sp>
+      <p:sp>
+        <p:nvSpPr>
+          <p:cNvPr id="55" name="TextBox 54">
+            <a:extLst>
+              <a:ext uri="{FF2B5EF4-FFF2-40B4-BE49-F238E27FC236}">
+                <a16:creationId xmlns:a16="http://schemas.microsoft.com/office/drawing/2014/main" id="{967D7174-2C6E-4572-BD42-76EC0FCC2AD7}"/>
+              </a:ext>
+            </a:extLst>
+          </p:cNvPr>
+          <p:cNvSpPr txBox="1"/>
+          <p:nvPr/>
+        </p:nvSpPr>
+        <p:spPr>
+          <a:xfrm>
+            <a:off x="5500500" y="168322"/>
+            <a:ext cx="3940235" cy="369332"/>
+          </a:xfrm>
+          <a:prstGeom prst="rect">
+            <a:avLst/>
+          </a:prstGeom>
+          <a:noFill/>
+        </p:spPr>
+        <p:txBody>
+          <a:bodyPr wrap="square" rtlCol="0">
+            <a:spAutoFit/>
+          </a:bodyPr>
+          <a:lstStyle/>
+          <a:p>
+            <a:r>
+              <a:rPr lang="en-CA" dirty="0"/>
+              <a:t>A Better Example:</a:t>
+            </a:r>
+          </a:p>
+        </p:txBody>
+      </p:sp>
+      <p:sp>
+        <p:nvSpPr>
+          <p:cNvPr id="56" name="TextBox 55">
+            <a:extLst>
+              <a:ext uri="{FF2B5EF4-FFF2-40B4-BE49-F238E27FC236}">
+                <a16:creationId xmlns:a16="http://schemas.microsoft.com/office/drawing/2014/main" id="{BEFB0ABF-8367-4064-88C5-3A5C4224D3CA}"/>
+              </a:ext>
+            </a:extLst>
+          </p:cNvPr>
+          <p:cNvSpPr txBox="1"/>
+          <p:nvPr/>
+        </p:nvSpPr>
+        <p:spPr>
+          <a:xfrm>
+            <a:off x="1114683" y="648525"/>
+            <a:ext cx="3903763" cy="954107"/>
+          </a:xfrm>
+          <a:prstGeom prst="rect">
+            <a:avLst/>
+          </a:prstGeom>
+          <a:noFill/>
+        </p:spPr>
+        <p:txBody>
+          <a:bodyPr wrap="square">
+            <a:spAutoFit/>
+          </a:bodyPr>
+          <a:lstStyle/>
+          <a:p>
+            <a:r>
+              <a:rPr lang="en-US" sz="1400" dirty="0"/>
+              <a:t>3. Times you ate together with the occupants of this household?</a:t>
+            </a:r>
+          </a:p>
+          <a:p>
+            <a:r>
+              <a:rPr lang="en-US" sz="1400" dirty="0"/>
+              <a:t>___________________________</a:t>
+            </a:r>
+            <a:endParaRPr lang="en-US" sz="1400" dirty="0">
+              <a:sym typeface="Wingdings 2"/>
+            </a:endParaRPr>
+          </a:p>
+          <a:p>
+            <a:pPr marL="574675" indent="-287338">
+              <a:buFont typeface="Calibri" pitchFamily="34" charset="0"/>
+              <a:buChar char="⃝"/>
+            </a:pPr>
+            <a:endParaRPr lang="en-US" sz="1400" dirty="0">
+              <a:sym typeface="Wingdings 2"/>
+            </a:endParaRPr>
+          </a:p>
+        </p:txBody>
+      </p:sp>
+      <p:sp>
+        <p:nvSpPr>
+          <p:cNvPr id="63" name="TextBox 62">
+            <a:extLst>
+              <a:ext uri="{FF2B5EF4-FFF2-40B4-BE49-F238E27FC236}">
+                <a16:creationId xmlns:a16="http://schemas.microsoft.com/office/drawing/2014/main" id="{23515F2E-3044-4CF0-9DB2-D7CF94964075}"/>
+              </a:ext>
+            </a:extLst>
+          </p:cNvPr>
+          <p:cNvSpPr txBox="1"/>
+          <p:nvPr/>
+        </p:nvSpPr>
+        <p:spPr>
+          <a:xfrm>
+            <a:off x="2873853" y="1798321"/>
+            <a:ext cx="6297306" cy="1323439"/>
+          </a:xfrm>
+          <a:prstGeom prst="rect">
+            <a:avLst/>
+          </a:prstGeom>
+          <a:noFill/>
+        </p:spPr>
+        <p:txBody>
+          <a:bodyPr wrap="square">
+            <a:spAutoFit/>
+          </a:bodyPr>
+          <a:lstStyle/>
+          <a:p>
+            <a:pPr marL="285750" indent="-285750">
+              <a:spcAft>
+                <a:spcPts val="300"/>
+              </a:spcAft>
+              <a:buFont typeface="Wingdings" pitchFamily="2" charset="2"/>
+              <a:buChar char="ü"/>
+            </a:pPr>
+            <a:r>
+              <a:rPr lang="en-US" sz="1400" dirty="0"/>
+              <a:t>Use complete sentences</a:t>
+            </a:r>
+          </a:p>
+          <a:p>
+            <a:pPr marL="285750" indent="-285750">
+              <a:spcAft>
+                <a:spcPts val="300"/>
+              </a:spcAft>
+              <a:buFont typeface="Wingdings" pitchFamily="2" charset="2"/>
+              <a:buChar char="ü"/>
+            </a:pPr>
+            <a:r>
+              <a:rPr lang="en-US" sz="1400" dirty="0"/>
+              <a:t>Use specific, concrete language – do not allow room for interpretation</a:t>
+            </a:r>
+          </a:p>
+          <a:p>
+            <a:pPr marL="285750" indent="-285750">
+              <a:spcAft>
+                <a:spcPts val="300"/>
+              </a:spcAft>
+              <a:buFont typeface="Wingdings" pitchFamily="2" charset="2"/>
+              <a:buChar char="ü"/>
+            </a:pPr>
+            <a:r>
+              <a:rPr lang="en-US" sz="1400" dirty="0"/>
+              <a:t>Use simple, familiar language – avoid abbreviations or specialized language </a:t>
+            </a:r>
+          </a:p>
+          <a:p>
+            <a:pPr marL="285750" indent="-285750">
+              <a:spcAft>
+                <a:spcPts val="300"/>
+              </a:spcAft>
+              <a:buFont typeface="Wingdings" pitchFamily="2" charset="2"/>
+              <a:buChar char="ü"/>
+            </a:pPr>
+            <a:r>
+              <a:rPr lang="en-US" sz="1400" dirty="0"/>
+              <a:t>Encourage use of desired response types by providing appropriately sizes response fields and labels close to response field</a:t>
+            </a:r>
+          </a:p>
+        </p:txBody>
+      </p:sp>
+      <p:sp>
+        <p:nvSpPr>
+          <p:cNvPr id="20" name="TextBox 19">
+            <a:extLst>
+              <a:ext uri="{FF2B5EF4-FFF2-40B4-BE49-F238E27FC236}">
+                <a16:creationId xmlns:a16="http://schemas.microsoft.com/office/drawing/2014/main" id="{B3EFB230-5AD4-49E9-8D66-492F047F1AF1}"/>
+              </a:ext>
+            </a:extLst>
+          </p:cNvPr>
+          <p:cNvSpPr txBox="1"/>
+          <p:nvPr/>
+        </p:nvSpPr>
+        <p:spPr>
+          <a:xfrm>
+            <a:off x="5536972" y="648525"/>
+            <a:ext cx="3903763" cy="815608"/>
+          </a:xfrm>
+          <a:prstGeom prst="rect">
+            <a:avLst/>
+          </a:prstGeom>
+          <a:noFill/>
+        </p:spPr>
+        <p:txBody>
+          <a:bodyPr wrap="square">
+            <a:spAutoFit/>
+          </a:bodyPr>
+          <a:lstStyle/>
+          <a:p>
+            <a:pPr>
+              <a:spcAft>
+                <a:spcPts val="600"/>
+              </a:spcAft>
+            </a:pPr>
+            <a:r>
+              <a:rPr lang="en-US" sz="1400" dirty="0"/>
+              <a:t>3. How many meals did you sit down to eat at home as a family last week?</a:t>
+            </a:r>
+          </a:p>
+          <a:p>
+            <a:pPr>
+              <a:spcAft>
+                <a:spcPts val="600"/>
+              </a:spcAft>
+            </a:pPr>
+            <a:r>
+              <a:rPr lang="en-US" sz="1400" dirty="0"/>
+              <a:t>                                Number of meals</a:t>
+            </a:r>
+          </a:p>
+        </p:txBody>
+      </p:sp>
+      <p:sp>
+        <p:nvSpPr>
+          <p:cNvPr id="32" name="TextBox 31">
+            <a:extLst>
+              <a:ext uri="{FF2B5EF4-FFF2-40B4-BE49-F238E27FC236}">
+                <a16:creationId xmlns:a16="http://schemas.microsoft.com/office/drawing/2014/main" id="{6548180A-7821-4AFF-9ECB-F488F466B2E3}"/>
+              </a:ext>
+            </a:extLst>
+          </p:cNvPr>
+          <p:cNvSpPr txBox="1"/>
+          <p:nvPr/>
+        </p:nvSpPr>
+        <p:spPr>
+          <a:xfrm>
+            <a:off x="1763103" y="1821936"/>
+            <a:ext cx="1090430" cy="307777"/>
+          </a:xfrm>
+          <a:prstGeom prst="rect">
+            <a:avLst/>
+          </a:prstGeom>
+          <a:noFill/>
+        </p:spPr>
+        <p:txBody>
+          <a:bodyPr wrap="square">
+            <a:spAutoFit/>
+          </a:bodyPr>
+          <a:lstStyle/>
+          <a:p>
+            <a:pPr>
+              <a:spcAft>
+                <a:spcPts val="300"/>
+              </a:spcAft>
+            </a:pPr>
+            <a:r>
+              <a:rPr lang="en-US" sz="1400" dirty="0"/>
+              <a:t>Key points:</a:t>
+            </a:r>
+          </a:p>
+        </p:txBody>
+      </p:sp>
+      <p:grpSp>
+        <p:nvGrpSpPr>
+          <p:cNvPr id="40" name="Group 39">
+            <a:extLst>
+              <a:ext uri="{FF2B5EF4-FFF2-40B4-BE49-F238E27FC236}">
+                <a16:creationId xmlns:a16="http://schemas.microsoft.com/office/drawing/2014/main" id="{728ECC0E-9A6B-4DFB-B514-DEDD6E19E371}"/>
+              </a:ext>
+            </a:extLst>
+          </p:cNvPr>
+          <p:cNvGrpSpPr/>
+          <p:nvPr/>
+        </p:nvGrpSpPr>
+        <p:grpSpPr>
+          <a:xfrm>
+            <a:off x="6385534" y="1193169"/>
+            <a:ext cx="342771" cy="234424"/>
+            <a:chOff x="5885074" y="1570271"/>
+            <a:chExt cx="544695" cy="372521"/>
+          </a:xfrm>
+        </p:grpSpPr>
+        <p:sp>
+          <p:nvSpPr>
+            <p:cNvPr id="41" name="Rounded Rectangle 3">
+              <a:extLst>
+                <a:ext uri="{FF2B5EF4-FFF2-40B4-BE49-F238E27FC236}">
+                  <a16:creationId xmlns:a16="http://schemas.microsoft.com/office/drawing/2014/main" id="{28253B1C-C3C9-48F4-AEDD-BAEB9BC136AA}"/>
+                </a:ext>
+              </a:extLst>
+            </p:cNvPr>
+            <p:cNvSpPr/>
+            <p:nvPr/>
+          </p:nvSpPr>
+          <p:spPr>
+            <a:xfrm>
+              <a:off x="5885074" y="1573246"/>
+              <a:ext cx="274320" cy="369546"/>
+            </a:xfrm>
+            <a:prstGeom prst="roundRect">
+              <a:avLst/>
+            </a:prstGeom>
+            <a:noFill/>
+            <a:ln>
+              <a:solidFill>
+                <a:schemeClr val="tx1"/>
+              </a:solidFill>
+            </a:ln>
+            <a:effectLst/>
+          </p:spPr>
+          <p:style>
+            <a:lnRef idx="1">
+              <a:schemeClr val="accent1"/>
+            </a:lnRef>
+            <a:fillRef idx="3">
+              <a:schemeClr val="accent1"/>
+            </a:fillRef>
+            <a:effectRef idx="2">
+              <a:schemeClr val="accent1"/>
+            </a:effectRef>
+            <a:fontRef idx="minor">
+              <a:schemeClr val="lt1"/>
+            </a:fontRef>
+          </p:style>
+          <p:txBody>
+            <a:bodyPr rtlCol="0" anchor="ctr"/>
+            <a:lstStyle/>
+            <a:p>
+              <a:pPr algn="ctr"/>
+              <a:endParaRPr lang="en-US"/>
+            </a:p>
+          </p:txBody>
+        </p:sp>
+        <p:sp>
+          <p:nvSpPr>
+            <p:cNvPr id="42" name="Rounded Rectangle 11">
+              <a:extLst>
+                <a:ext uri="{FF2B5EF4-FFF2-40B4-BE49-F238E27FC236}">
+                  <a16:creationId xmlns:a16="http://schemas.microsoft.com/office/drawing/2014/main" id="{A38BDD40-7246-42B3-B79B-4B5A312953A2}"/>
+                </a:ext>
+              </a:extLst>
+            </p:cNvPr>
+            <p:cNvSpPr/>
+            <p:nvPr/>
+          </p:nvSpPr>
+          <p:spPr>
+            <a:xfrm>
+              <a:off x="6155449" y="1570271"/>
+              <a:ext cx="274320" cy="369546"/>
+            </a:xfrm>
+            <a:prstGeom prst="roundRect">
+              <a:avLst/>
+            </a:prstGeom>
+            <a:noFill/>
+            <a:ln>
+              <a:solidFill>
+                <a:schemeClr val="tx1"/>
+              </a:solidFill>
+            </a:ln>
+            <a:effectLst/>
+          </p:spPr>
+          <p:style>
+            <a:lnRef idx="1">
+              <a:schemeClr val="accent1"/>
+            </a:lnRef>
+            <a:fillRef idx="3">
+              <a:schemeClr val="accent1"/>
+            </a:fillRef>
+            <a:effectRef idx="2">
+              <a:schemeClr val="accent1"/>
+            </a:effectRef>
+            <a:fontRef idx="minor">
+              <a:schemeClr val="lt1"/>
+            </a:fontRef>
+          </p:style>
+          <p:txBody>
+            <a:bodyPr rtlCol="0" anchor="ctr"/>
+            <a:lstStyle/>
+            <a:p>
+              <a:pPr algn="ctr"/>
+              <a:endParaRPr lang="en-US"/>
+            </a:p>
+          </p:txBody>
+        </p:sp>
+      </p:grpSp>
+    </p:spTree>
+    <p:extLst>
+      <p:ext uri="{BB962C8B-B14F-4D97-AF65-F5344CB8AC3E}">
+        <p14:creationId xmlns:p14="http://schemas.microsoft.com/office/powerpoint/2010/main" val="1911899649"/>
+      </p:ext>
+    </p:extLst>
+  </p:cSld>
+  <p:clrMapOvr>
+    <a:masterClrMapping/>
+  </p:clrMapOvr>
+  <p:timing>
+    <p:tnLst>
+      <p:par>
+        <p:cTn id="1" dur="indefinite" restart="never" nodeType="tmRoot">
+          <p:childTnLst>
+            <p:seq concurrent="1" nextAc="seek">
+              <p:cTn id="2" dur="indefinite" nodeType="mainSeq">
+                <p:childTnLst>
+                  <p:par>
+                    <p:cTn id="3" fill="hold">
+                      <p:stCondLst>
+                        <p:cond delay="indefinite"/>
+                        <p:cond evt="onBegin" delay="0">
+                          <p:tn val="2"/>
+                        </p:cond>
+                      </p:stCondLst>
+                      <p:childTnLst>
+                        <p:par>
+                          <p:cTn id="4" fill="hold">
+                            <p:stCondLst>
+                              <p:cond delay="0"/>
+                            </p:stCondLst>
+                            <p:childTnLst>
+                              <p:par>
+                                <p:cTn id="5" presetID="10" presetClass="entr" presetSubtype="0" fill="hold" nodeType="withEffect">
+                                  <p:stCondLst>
+                                    <p:cond delay="0"/>
+                                  </p:stCondLst>
+                                  <p:childTnLst>
+                                    <p:set>
+                                      <p:cBhvr>
+                                        <p:cTn id="6" dur="1" fill="hold">
+                                          <p:stCondLst>
+                                            <p:cond delay="0"/>
+                                          </p:stCondLst>
+                                        </p:cTn>
+                                        <p:tgtEl>
+                                          <p:spTgt spid="40"/>
+                                        </p:tgtEl>
+                                        <p:attrNameLst>
+                                          <p:attrName>style.visibility</p:attrName>
+                                        </p:attrNameLst>
+                                      </p:cBhvr>
+                                      <p:to>
+                                        <p:strVal val="visible"/>
+                                      </p:to>
+                                    </p:set>
+                                    <p:animEffect transition="in" filter="fade">
+                                      <p:cBhvr>
+                                        <p:cTn id="7" dur="500"/>
+                                        <p:tgtEl>
+                                          <p:spTgt spid="40"/>
+                                        </p:tgtEl>
+                                      </p:cBhvr>
+                                    </p:animEffect>
+                                  </p:childTnLst>
+                                </p:cTn>
+                              </p:par>
+                            </p:childTnLst>
+                          </p:cTn>
+                        </p:par>
+                      </p:childTnLst>
+                    </p:cTn>
+                  </p:par>
+                </p:childTnLst>
+              </p:cTn>
+              <p:prevCondLst>
+                <p:cond evt="onPrev" delay="0">
+                  <p:tgtEl>
+                    <p:sldTgt/>
+                  </p:tgtEl>
+                </p:cond>
+              </p:prevCondLst>
+              <p:nextCondLst>
+                <p:cond evt="onNext" delay="0">
+                  <p:tgtEl>
+                    <p:sldTgt/>
+                  </p:tgtEl>
+                </p:cond>
+              </p:nextCondLst>
+            </p:seq>
+          </p:childTnLst>
+        </p:cTn>
+      </p:par>
+    </p:tnLst>
+  </p:timing>
+</p:sld>
+</file>
+
+<file path=ppt/slides/slide4.xml><?xml version="1.0" encoding="utf-8"?>
+<p:sld xmlns:a="http://schemas.openxmlformats.org/drawingml/2006/main" xmlns:r="http://schemas.openxmlformats.org/officeDocument/2006/relationships" xmlns:p="http://schemas.openxmlformats.org/presentationml/2006/main">
+  <p:cSld>
+    <p:spTree>
+      <p:nvGrpSpPr>
+        <p:cNvPr id="1" name=""/>
+        <p:cNvGrpSpPr/>
+        <p:nvPr/>
+      </p:nvGrpSpPr>
+      <p:grpSpPr>
+        <a:xfrm>
+          <a:off x="0" y="0"/>
+          <a:ext cx="0" cy="0"/>
+          <a:chOff x="0" y="0"/>
+          <a:chExt cx="0" cy="0"/>
+        </a:xfrm>
+      </p:grpSpPr>
+      <p:sp>
+        <p:nvSpPr>
+          <p:cNvPr id="52" name="Rectangle 51">
+            <a:extLst>
+              <a:ext uri="{FF2B5EF4-FFF2-40B4-BE49-F238E27FC236}">
+                <a16:creationId xmlns:a16="http://schemas.microsoft.com/office/drawing/2014/main" id="{0C128503-B6AD-422C-8DF8-9E142B85FBE2}"/>
+              </a:ext>
+            </a:extLst>
+          </p:cNvPr>
+          <p:cNvSpPr/>
+          <p:nvPr/>
+        </p:nvSpPr>
+        <p:spPr>
+          <a:xfrm>
+            <a:off x="979263" y="534225"/>
+            <a:ext cx="4320000" cy="1149796"/>
+          </a:xfrm>
+          <a:prstGeom prst="rect">
+            <a:avLst/>
+          </a:prstGeom>
+          <a:noFill/>
+          <a:ln w="28575">
+            <a:solidFill>
+              <a:srgbClr val="FF0000"/>
+            </a:solidFill>
+          </a:ln>
+        </p:spPr>
+        <p:style>
+          <a:lnRef idx="2">
+            <a:schemeClr val="accent1">
+              <a:shade val="50000"/>
+            </a:schemeClr>
+          </a:lnRef>
+          <a:fillRef idx="1">
+            <a:schemeClr val="accent1"/>
+          </a:fillRef>
+          <a:effectRef idx="0">
+            <a:schemeClr val="accent1"/>
+          </a:effectRef>
+          <a:fontRef idx="minor">
+            <a:schemeClr val="lt1"/>
+          </a:fontRef>
+        </p:style>
+        <p:txBody>
+          <a:bodyPr rtlCol="0" anchor="ctr"/>
+          <a:lstStyle/>
+          <a:p>
+            <a:pPr algn="ctr"/>
+            <a:endParaRPr lang="en-CA"/>
+          </a:p>
+        </p:txBody>
+      </p:sp>
+      <p:sp>
+        <p:nvSpPr>
+          <p:cNvPr id="53" name="Rectangle 52">
+            <a:extLst>
+              <a:ext uri="{FF2B5EF4-FFF2-40B4-BE49-F238E27FC236}">
+                <a16:creationId xmlns:a16="http://schemas.microsoft.com/office/drawing/2014/main" id="{88090FB5-DB0F-43F3-9AF3-290CD4893DA0}"/>
+              </a:ext>
+            </a:extLst>
+          </p:cNvPr>
+          <p:cNvSpPr/>
+          <p:nvPr/>
+        </p:nvSpPr>
+        <p:spPr>
+          <a:xfrm>
+            <a:off x="5500500" y="530896"/>
+            <a:ext cx="4320000" cy="1149796"/>
+          </a:xfrm>
+          <a:prstGeom prst="rect">
+            <a:avLst/>
+          </a:prstGeom>
+          <a:noFill/>
+          <a:ln w="28575">
+            <a:solidFill>
+              <a:srgbClr val="00B050"/>
+            </a:solidFill>
+          </a:ln>
+        </p:spPr>
+        <p:style>
+          <a:lnRef idx="2">
+            <a:schemeClr val="accent1">
+              <a:shade val="50000"/>
+            </a:schemeClr>
+          </a:lnRef>
+          <a:fillRef idx="1">
+            <a:schemeClr val="accent1"/>
+          </a:fillRef>
+          <a:effectRef idx="0">
+            <a:schemeClr val="accent1"/>
+          </a:effectRef>
+          <a:fontRef idx="minor">
+            <a:schemeClr val="lt1"/>
+          </a:fontRef>
+        </p:style>
+        <p:txBody>
+          <a:bodyPr rtlCol="0" anchor="ctr"/>
+          <a:lstStyle/>
+          <a:p>
+            <a:pPr algn="ctr"/>
+            <a:endParaRPr lang="en-CA"/>
+          </a:p>
+        </p:txBody>
+      </p:sp>
+      <p:sp>
+        <p:nvSpPr>
+          <p:cNvPr id="54" name="TextBox 53">
+            <a:extLst>
+              <a:ext uri="{FF2B5EF4-FFF2-40B4-BE49-F238E27FC236}">
+                <a16:creationId xmlns:a16="http://schemas.microsoft.com/office/drawing/2014/main" id="{D1675A24-E920-4DE5-ABD5-510F9652F8A2}"/>
+              </a:ext>
+            </a:extLst>
+          </p:cNvPr>
+          <p:cNvSpPr txBox="1"/>
+          <p:nvPr/>
+        </p:nvSpPr>
+        <p:spPr>
+          <a:xfrm>
+            <a:off x="903736" y="135214"/>
+            <a:ext cx="3940235" cy="369332"/>
+          </a:xfrm>
+          <a:prstGeom prst="rect">
+            <a:avLst/>
+          </a:prstGeom>
+          <a:noFill/>
+        </p:spPr>
+        <p:txBody>
+          <a:bodyPr wrap="square" rtlCol="0">
+            <a:spAutoFit/>
+          </a:bodyPr>
+          <a:lstStyle/>
+          <a:p>
+            <a:r>
+              <a:rPr lang="en-CA" dirty="0"/>
+              <a:t>A Poor Example:</a:t>
+            </a:r>
+          </a:p>
+        </p:txBody>
+      </p:sp>
+      <p:sp>
+        <p:nvSpPr>
+          <p:cNvPr id="55" name="TextBox 54">
+            <a:extLst>
+              <a:ext uri="{FF2B5EF4-FFF2-40B4-BE49-F238E27FC236}">
+                <a16:creationId xmlns:a16="http://schemas.microsoft.com/office/drawing/2014/main" id="{967D7174-2C6E-4572-BD42-76EC0FCC2AD7}"/>
+              </a:ext>
+            </a:extLst>
+          </p:cNvPr>
+          <p:cNvSpPr txBox="1"/>
+          <p:nvPr/>
+        </p:nvSpPr>
+        <p:spPr>
+          <a:xfrm>
+            <a:off x="5500500" y="168322"/>
+            <a:ext cx="3940235" cy="369332"/>
+          </a:xfrm>
+          <a:prstGeom prst="rect">
+            <a:avLst/>
+          </a:prstGeom>
+          <a:noFill/>
+        </p:spPr>
+        <p:txBody>
+          <a:bodyPr wrap="square" rtlCol="0">
+            <a:spAutoFit/>
+          </a:bodyPr>
+          <a:lstStyle/>
+          <a:p>
+            <a:r>
+              <a:rPr lang="en-CA" dirty="0"/>
+              <a:t>A Better Example:</a:t>
+            </a:r>
+          </a:p>
+        </p:txBody>
+      </p:sp>
+      <p:sp>
+        <p:nvSpPr>
+          <p:cNvPr id="56" name="TextBox 55">
+            <a:extLst>
+              <a:ext uri="{FF2B5EF4-FFF2-40B4-BE49-F238E27FC236}">
+                <a16:creationId xmlns:a16="http://schemas.microsoft.com/office/drawing/2014/main" id="{BEFB0ABF-8367-4064-88C5-3A5C4224D3CA}"/>
+              </a:ext>
+            </a:extLst>
+          </p:cNvPr>
+          <p:cNvSpPr txBox="1"/>
+          <p:nvPr/>
+        </p:nvSpPr>
+        <p:spPr>
+          <a:xfrm>
+            <a:off x="1114683" y="648525"/>
+            <a:ext cx="3903763" cy="307777"/>
+          </a:xfrm>
+          <a:prstGeom prst="rect">
+            <a:avLst/>
+          </a:prstGeom>
+          <a:noFill/>
+        </p:spPr>
+        <p:txBody>
+          <a:bodyPr wrap="square">
+            <a:spAutoFit/>
+          </a:bodyPr>
+          <a:lstStyle/>
+          <a:p>
+            <a:r>
+              <a:rPr lang="en-US" sz="1400" dirty="0"/>
+              <a:t>3. Times you ate</a:t>
+            </a:r>
+            <a:endParaRPr lang="en-US" sz="1400" dirty="0">
+              <a:sym typeface="Wingdings 2"/>
+            </a:endParaRPr>
+          </a:p>
+        </p:txBody>
+      </p:sp>
+      <p:sp>
+        <p:nvSpPr>
+          <p:cNvPr id="63" name="TextBox 62">
+            <a:extLst>
+              <a:ext uri="{FF2B5EF4-FFF2-40B4-BE49-F238E27FC236}">
+                <a16:creationId xmlns:a16="http://schemas.microsoft.com/office/drawing/2014/main" id="{23515F2E-3044-4CF0-9DB2-D7CF94964075}"/>
+              </a:ext>
+            </a:extLst>
+          </p:cNvPr>
+          <p:cNvSpPr txBox="1"/>
+          <p:nvPr/>
+        </p:nvSpPr>
+        <p:spPr>
+          <a:xfrm>
+            <a:off x="2873853" y="1798321"/>
+            <a:ext cx="6297306" cy="307777"/>
+          </a:xfrm>
+          <a:prstGeom prst="rect">
+            <a:avLst/>
+          </a:prstGeom>
+          <a:noFill/>
+        </p:spPr>
+        <p:txBody>
+          <a:bodyPr wrap="square">
+            <a:spAutoFit/>
+          </a:bodyPr>
+          <a:lstStyle/>
+          <a:p>
+            <a:pPr marL="285750" indent="-285750">
+              <a:spcAft>
+                <a:spcPts val="300"/>
+              </a:spcAft>
+              <a:buFont typeface="Wingdings" pitchFamily="2" charset="2"/>
+              <a:buChar char="ü"/>
+            </a:pPr>
+            <a:r>
+              <a:rPr lang="en-US" sz="1400"/>
+              <a:t>text</a:t>
+            </a:r>
+            <a:endParaRPr lang="en-US" sz="1400" dirty="0"/>
+          </a:p>
+        </p:txBody>
+      </p:sp>
+      <p:sp>
+        <p:nvSpPr>
+          <p:cNvPr id="20" name="TextBox 19">
+            <a:extLst>
+              <a:ext uri="{FF2B5EF4-FFF2-40B4-BE49-F238E27FC236}">
+                <a16:creationId xmlns:a16="http://schemas.microsoft.com/office/drawing/2014/main" id="{B3EFB230-5AD4-49E9-8D66-492F047F1AF1}"/>
+              </a:ext>
+            </a:extLst>
+          </p:cNvPr>
+          <p:cNvSpPr txBox="1"/>
+          <p:nvPr/>
+        </p:nvSpPr>
+        <p:spPr>
+          <a:xfrm>
+            <a:off x="5536972" y="648525"/>
+            <a:ext cx="3903763" cy="307777"/>
+          </a:xfrm>
+          <a:prstGeom prst="rect">
+            <a:avLst/>
+          </a:prstGeom>
+          <a:noFill/>
+        </p:spPr>
+        <p:txBody>
+          <a:bodyPr wrap="square">
+            <a:spAutoFit/>
+          </a:bodyPr>
+          <a:lstStyle/>
+          <a:p>
+            <a:pPr>
+              <a:spcAft>
+                <a:spcPts val="600"/>
+              </a:spcAft>
+            </a:pPr>
+            <a:r>
+              <a:rPr lang="en-US" sz="1400" dirty="0"/>
+              <a:t>3. How many m</a:t>
+            </a:r>
+          </a:p>
+        </p:txBody>
+      </p:sp>
+      <p:sp>
+        <p:nvSpPr>
+          <p:cNvPr id="32" name="TextBox 31">
+            <a:extLst>
+              <a:ext uri="{FF2B5EF4-FFF2-40B4-BE49-F238E27FC236}">
+                <a16:creationId xmlns:a16="http://schemas.microsoft.com/office/drawing/2014/main" id="{6548180A-7821-4AFF-9ECB-F488F466B2E3}"/>
+              </a:ext>
+            </a:extLst>
+          </p:cNvPr>
+          <p:cNvSpPr txBox="1"/>
+          <p:nvPr/>
+        </p:nvSpPr>
+        <p:spPr>
+          <a:xfrm>
+            <a:off x="1763103" y="1821936"/>
+            <a:ext cx="1090430" cy="307777"/>
+          </a:xfrm>
+          <a:prstGeom prst="rect">
+            <a:avLst/>
+          </a:prstGeom>
+          <a:noFill/>
+        </p:spPr>
+        <p:txBody>
+          <a:bodyPr wrap="square">
+            <a:spAutoFit/>
+          </a:bodyPr>
+          <a:lstStyle/>
+          <a:p>
+            <a:pPr>
+              <a:spcAft>
+                <a:spcPts val="300"/>
+              </a:spcAft>
+            </a:pPr>
+            <a:r>
+              <a:rPr lang="en-US" sz="1400" dirty="0"/>
+              <a:t>Key points:</a:t>
+            </a:r>
+          </a:p>
+        </p:txBody>
+      </p:sp>
+    </p:spTree>
+    <p:extLst>
+      <p:ext uri="{BB962C8B-B14F-4D97-AF65-F5344CB8AC3E}">
+        <p14:creationId xmlns:p14="http://schemas.microsoft.com/office/powerpoint/2010/main" val="2374358261"/>
+      </p:ext>
+    </p:extLst>
+  </p:cSld>
+  <p:clrMapOvr>
+    <a:masterClrMapping/>
+  </p:clrMapOvr>
+</p:sld>
+</file>
+
+<file path=ppt/slides/slide5.xml><?xml version="1.0" encoding="utf-8"?>
+<p:sld xmlns:a="http://schemas.openxmlformats.org/drawingml/2006/main" xmlns:r="http://schemas.openxmlformats.org/officeDocument/2006/relationships" xmlns:p="http://schemas.openxmlformats.org/presentationml/2006/main">
+  <p:cSld>
+    <p:spTree>
+      <p:nvGrpSpPr>
+        <p:cNvPr id="1" name=""/>
+        <p:cNvGrpSpPr/>
+        <p:nvPr/>
+      </p:nvGrpSpPr>
+      <p:grpSpPr>
+        <a:xfrm>
+          <a:off x="0" y="0"/>
+          <a:ext cx="0" cy="0"/>
+          <a:chOff x="0" y="0"/>
+          <a:chExt cx="0" cy="0"/>
+        </a:xfrm>
+      </p:grpSpPr>
+    </p:spTree>
+    <p:extLst>
+      <p:ext uri="{BB962C8B-B14F-4D97-AF65-F5344CB8AC3E}">
+        <p14:creationId xmlns:p14="http://schemas.microsoft.com/office/powerpoint/2010/main" val="1055706361"/>
+      </p:ext>
+    </p:extLst>
+  </p:cSld>
+  <p:clrMapOvr>
+    <a:masterClrMapping/>
+  </p:clrMapOvr>
+</p:sld>
+</file>
+
+<file path=ppt/slides/slide6.xml><?xml version="1.0" encoding="utf-8"?>
+<p:sld xmlns:a="http://schemas.openxmlformats.org/drawingml/2006/main" xmlns:r="http://schemas.openxmlformats.org/officeDocument/2006/relationships" xmlns:p="http://schemas.openxmlformats.org/presentationml/2006/main">
+  <p:cSld>
+    <p:spTree>
+      <p:nvGrpSpPr>
+        <p:cNvPr id="1" name=""/>
+        <p:cNvGrpSpPr/>
+        <p:nvPr/>
+      </p:nvGrpSpPr>
+      <p:grpSpPr>
+        <a:xfrm>
+          <a:off x="0" y="0"/>
+          <a:ext cx="0" cy="0"/>
+          <a:chOff x="0" y="0"/>
+          <a:chExt cx="0" cy="0"/>
+        </a:xfrm>
+      </p:grpSpPr>
+    </p:spTree>
+    <p:extLst>
+      <p:ext uri="{BB962C8B-B14F-4D97-AF65-F5344CB8AC3E}">
+        <p14:creationId xmlns:p14="http://schemas.microsoft.com/office/powerpoint/2010/main" val="1961753584"/>
+      </p:ext>
+    </p:extLst>
+  </p:cSld>
+  <p:clrMapOvr>
+    <a:masterClrMapping/>
+  </p:clrMapOvr>
+</p:sld>
+</file>
+
+<file path=ppt/slides/slide7.xml><?xml version="1.0" encoding="utf-8"?>
+<p:sld xmlns:a="http://schemas.openxmlformats.org/drawingml/2006/main" xmlns:r="http://schemas.openxmlformats.org/officeDocument/2006/relationships" xmlns:p="http://schemas.openxmlformats.org/presentationml/2006/main">
+  <p:cSld>
+    <p:spTree>
+      <p:nvGrpSpPr>
+        <p:cNvPr id="1" name=""/>
+        <p:cNvGrpSpPr/>
+        <p:nvPr/>
+      </p:nvGrpSpPr>
+      <p:grpSpPr>
+        <a:xfrm>
+          <a:off x="0" y="0"/>
+          <a:ext cx="0" cy="0"/>
+          <a:chOff x="0" y="0"/>
+          <a:chExt cx="0" cy="0"/>
+        </a:xfrm>
+      </p:grpSpPr>
+    </p:spTree>
+    <p:extLst>
+      <p:ext uri="{BB962C8B-B14F-4D97-AF65-F5344CB8AC3E}">
+        <p14:creationId xmlns:p14="http://schemas.microsoft.com/office/powerpoint/2010/main" val="2168595456"/>
+      </p:ext>
+    </p:extLst>
+  </p:cSld>
+  <p:clrMapOvr>
+    <a:masterClrMapping/>
+  </p:clrMapOvr>
+</p:sld>
+</file>
+
 <file path=ppt/theme/theme1.xml><?xml version="1.0" encoding="utf-8"?>
 <a:theme xmlns:a="http://schemas.openxmlformats.org/drawingml/2006/main" name="Office Theme">
   <a:themeElements>
